--- a/ETL_Group2.pptx
+++ b/ETL_Group2.pptx
@@ -11185,7 +11185,7 @@
         <p:spPr>
           <a:xfrm>
             <a:off x="7338184" y="1432121"/>
-            <a:ext cx="3491734" cy="392655"/>
+            <a:ext cx="3491734" cy="4185721"/>
           </a:xfrm>
           <a:prstGeom prst="rect">
             <a:avLst/>
@@ -11205,6 +11205,162 @@
             <a:spAutoFit/>
           </a:bodyPr>
           <a:lstStyle/>
+          <a:p>
+            <a:pPr marL="342900" indent="-342900">
+              <a:lnSpc>
+                <a:spcPct val="150000"/>
+              </a:lnSpc>
+              <a:buFont typeface="+mj-lt"/>
+              <a:buAutoNum type="arabicPeriod"/>
+            </a:pPr>
+            <a:r>
+              <a:rPr lang="en-US" dirty="0"/>
+              <a:t>Abishua Prashanth</a:t>
+            </a:r>
+          </a:p>
+          <a:p>
+            <a:pPr marL="342900" indent="-342900">
+              <a:lnSpc>
+                <a:spcPct val="150000"/>
+              </a:lnSpc>
+              <a:buFont typeface="+mj-lt"/>
+              <a:buAutoNum type="arabicPeriod"/>
+            </a:pPr>
+            <a:r>
+              <a:rPr lang="en-US" dirty="0"/>
+              <a:t>Wesley Watkins</a:t>
+            </a:r>
+          </a:p>
+          <a:p>
+            <a:pPr marL="342900" indent="-342900">
+              <a:lnSpc>
+                <a:spcPct val="150000"/>
+              </a:lnSpc>
+              <a:buFont typeface="+mj-lt"/>
+              <a:buAutoNum type="arabicPeriod"/>
+            </a:pPr>
+            <a:r>
+              <a:rPr lang="en-US" dirty="0"/>
+              <a:t>Anthony Ndungu</a:t>
+            </a:r>
+          </a:p>
+          <a:p>
+            <a:pPr marL="342900" indent="-342900">
+              <a:lnSpc>
+                <a:spcPct val="150000"/>
+              </a:lnSpc>
+              <a:buFont typeface="+mj-lt"/>
+              <a:buAutoNum type="arabicPeriod"/>
+            </a:pPr>
+            <a:r>
+              <a:rPr lang="en-US" dirty="0"/>
+              <a:t>Thea James</a:t>
+            </a:r>
+          </a:p>
+          <a:p>
+            <a:pPr marL="342900" indent="-342900">
+              <a:lnSpc>
+                <a:spcPct val="150000"/>
+              </a:lnSpc>
+              <a:buFont typeface="+mj-lt"/>
+              <a:buAutoNum type="arabicPeriod"/>
+            </a:pPr>
+            <a:r>
+              <a:rPr lang="en-US" dirty="0"/>
+              <a:t>Beverly Phillips</a:t>
+            </a:r>
+          </a:p>
+          <a:p>
+            <a:pPr marL="342900" indent="-342900">
+              <a:lnSpc>
+                <a:spcPct val="150000"/>
+              </a:lnSpc>
+              <a:buFont typeface="+mj-lt"/>
+              <a:buAutoNum type="arabicPeriod"/>
+            </a:pPr>
+            <a:r>
+              <a:rPr lang="en-US" dirty="0"/>
+              <a:t>Sidney Henry</a:t>
+            </a:r>
+          </a:p>
+          <a:p>
+            <a:pPr marL="342900" indent="-342900">
+              <a:lnSpc>
+                <a:spcPct val="150000"/>
+              </a:lnSpc>
+              <a:buFont typeface="+mj-lt"/>
+              <a:buAutoNum type="arabicPeriod"/>
+            </a:pPr>
+            <a:r>
+              <a:rPr lang="en-US" dirty="0"/>
+              <a:t>Di Gibson</a:t>
+            </a:r>
+          </a:p>
+          <a:p>
+            <a:pPr marL="342900" indent="-342900">
+              <a:lnSpc>
+                <a:spcPct val="150000"/>
+              </a:lnSpc>
+              <a:buFont typeface="+mj-lt"/>
+              <a:buAutoNum type="arabicPeriod"/>
+            </a:pPr>
+            <a:r>
+              <a:rPr lang="en-US" dirty="0"/>
+              <a:t>Elsa Hernandez</a:t>
+            </a:r>
+          </a:p>
+          <a:p>
+            <a:pPr marL="342900" indent="-342900">
+              <a:lnSpc>
+                <a:spcPct val="150000"/>
+              </a:lnSpc>
+              <a:buFont typeface="+mj-lt"/>
+              <a:buAutoNum type="arabicPeriod"/>
+            </a:pPr>
+            <a:r>
+              <a:rPr lang="en-US" dirty="0"/>
+              <a:t>Harsh Patel</a:t>
+            </a:r>
+          </a:p>
+          <a:p>
+            <a:pPr marL="342900" indent="-342900">
+              <a:lnSpc>
+                <a:spcPct val="150000"/>
+              </a:lnSpc>
+              <a:buFont typeface="+mj-lt"/>
+              <a:buAutoNum type="arabicPeriod"/>
+            </a:pPr>
+            <a:r>
+              <a:rPr lang="en-US" dirty="0"/>
+              <a:t>Jason Degrace</a:t>
+            </a:r>
+          </a:p>
+          <a:p>
+            <a:pPr marL="342900" indent="-342900">
+              <a:lnSpc>
+                <a:spcPct val="150000"/>
+              </a:lnSpc>
+              <a:buFont typeface="+mj-lt"/>
+              <a:buAutoNum type="arabicPeriod"/>
+            </a:pPr>
+            <a:r>
+              <a:rPr lang="en-US" dirty="0"/>
+              <a:t>Mark Alford</a:t>
+            </a:r>
+          </a:p>
+          <a:p>
+            <a:pPr marL="342900" indent="-342900">
+              <a:lnSpc>
+                <a:spcPct val="150000"/>
+              </a:lnSpc>
+              <a:buFont typeface="+mj-lt"/>
+              <a:buAutoNum type="arabicPeriod"/>
+            </a:pPr>
+            <a:r>
+              <a:rPr lang="en-US" dirty="0"/>
+              <a:t>Randy Weaver</a:t>
+            </a:r>
+          </a:p>
           <a:p>
             <a:pPr marL="342900" marR="0" lvl="0" indent="-342900" algn="l" rtl="0">
               <a:spcBef>
@@ -11599,9 +11755,9 @@
                 <a:solidFill>
                   <a:schemeClr val="lt1"/>
                 </a:solidFill>
-                <a:latin typeface="Calibri"/>
+                <a:latin typeface="Calibri" panose="020F0502020204030204" pitchFamily="34" charset="0"/>
                 <a:ea typeface="Calibri"/>
-                <a:cs typeface="Calibri"/>
+                <a:cs typeface="Calibri" panose="020F0502020204030204" pitchFamily="34" charset="0"/>
                 <a:sym typeface="Calibri"/>
               </a:endParaRPr>
             </a:p>
@@ -11654,13 +11810,13 @@
                 </a:spcAft>
                 <a:buNone/>
               </a:pPr>
-              <a:endParaRPr sz="1800">
+              <a:endParaRPr sz="1800" dirty="0">
                 <a:solidFill>
                   <a:schemeClr val="lt1"/>
                 </a:solidFill>
-                <a:latin typeface="Calibri"/>
+                <a:latin typeface="Calibri" panose="020F0502020204030204" pitchFamily="34" charset="0"/>
                 <a:ea typeface="Calibri"/>
-                <a:cs typeface="Calibri"/>
+                <a:cs typeface="Calibri" panose="020F0502020204030204" pitchFamily="34" charset="0"/>
                 <a:sym typeface="Calibri"/>
               </a:endParaRPr>
             </a:p>
@@ -11717,9 +11873,9 @@
                 <a:solidFill>
                   <a:schemeClr val="lt1"/>
                 </a:solidFill>
-                <a:latin typeface="Calibri"/>
+                <a:latin typeface="Calibri" panose="020F0502020204030204" pitchFamily="34" charset="0"/>
                 <a:ea typeface="Calibri"/>
-                <a:cs typeface="Calibri"/>
+                <a:cs typeface="Calibri" panose="020F0502020204030204" pitchFamily="34" charset="0"/>
                 <a:sym typeface="Calibri"/>
               </a:endParaRPr>
             </a:p>
@@ -11788,7 +11944,7 @@
         </p:nvSpPr>
         <p:spPr>
           <a:xfrm>
-            <a:off x="844390" y="1549343"/>
+            <a:off x="910086" y="1546951"/>
             <a:ext cx="1921079" cy="338554"/>
           </a:xfrm>
           <a:prstGeom prst="rect">
@@ -11827,112 +11983,6 @@
               <a:t>Data Sources</a:t>
             </a:r>
             <a:endParaRPr dirty="0"/>
-          </a:p>
-        </p:txBody>
-      </p:sp>
-      <p:sp>
-        <p:nvSpPr>
-          <p:cNvPr id="113" name="Google Shape;113;gfb9413f75f_2_28"/>
-          <p:cNvSpPr txBox="1"/>
-          <p:nvPr/>
-        </p:nvSpPr>
-        <p:spPr>
-          <a:xfrm>
-            <a:off x="4345164" y="2137604"/>
-            <a:ext cx="4331002" cy="523180"/>
-          </a:xfrm>
-          <a:prstGeom prst="rect">
-            <a:avLst/>
-          </a:prstGeom>
-          <a:noFill/>
-          <a:ln>
-            <a:noFill/>
-          </a:ln>
-        </p:spPr>
-        <p:txBody>
-          <a:bodyPr spcFirstLastPara="1" wrap="square" lIns="91425" tIns="45700" rIns="91425" bIns="45700" anchor="t" anchorCtr="0">
-            <a:spAutoFit/>
-          </a:bodyPr>
-          <a:lstStyle/>
-          <a:p>
-            <a:pPr marL="431800" marR="0" lvl="0" indent="-342900" algn="l" rtl="0">
-              <a:lnSpc>
-                <a:spcPct val="100000"/>
-              </a:lnSpc>
-              <a:spcBef>
-                <a:spcPts val="0"/>
-              </a:spcBef>
-              <a:spcAft>
-                <a:spcPts val="0"/>
-              </a:spcAft>
-              <a:buClr>
-                <a:schemeClr val="dk1"/>
-              </a:buClr>
-              <a:buSzPts val="1400"/>
-              <a:buFont typeface="+mj-lt"/>
-              <a:buAutoNum type="arabicPeriod"/>
-            </a:pPr>
-            <a:r>
-              <a:rPr lang="en-US" sz="1400" dirty="0" err="1">
-                <a:solidFill>
-                  <a:srgbClr val="7F7F7F"/>
-                </a:solidFill>
-                <a:latin typeface="Calibri"/>
-                <a:ea typeface="Calibri"/>
-                <a:cs typeface="Calibri"/>
-                <a:sym typeface="Calibri"/>
-              </a:rPr>
-              <a:t>Asasd</a:t>
-            </a:r>
-            <a:endParaRPr lang="en-US" sz="1400" dirty="0">
-              <a:solidFill>
-                <a:srgbClr val="7F7F7F"/>
-              </a:solidFill>
-              <a:latin typeface="Calibri"/>
-              <a:ea typeface="Calibri"/>
-              <a:cs typeface="Calibri"/>
-              <a:sym typeface="Calibri"/>
-            </a:endParaRPr>
-          </a:p>
-          <a:p>
-            <a:pPr marL="431800" marR="0" lvl="0" indent="-342900" algn="l" rtl="0">
-              <a:lnSpc>
-                <a:spcPct val="100000"/>
-              </a:lnSpc>
-              <a:spcBef>
-                <a:spcPts val="0"/>
-              </a:spcBef>
-              <a:spcAft>
-                <a:spcPts val="0"/>
-              </a:spcAft>
-              <a:buClr>
-                <a:schemeClr val="dk1"/>
-              </a:buClr>
-              <a:buSzPts val="1400"/>
-              <a:buFont typeface="+mj-lt"/>
-              <a:buAutoNum type="arabicPeriod"/>
-            </a:pPr>
-            <a:r>
-              <a:rPr lang="en-US" dirty="0" err="1">
-                <a:solidFill>
-                  <a:srgbClr val="7F7F7F"/>
-                </a:solidFill>
-                <a:latin typeface="Calibri"/>
-                <a:ea typeface="Calibri"/>
-                <a:cs typeface="Calibri"/>
-                <a:sym typeface="Calibri"/>
-              </a:rPr>
-              <a:t>asd</a:t>
-            </a:r>
-            <a:endParaRPr lang="en-US" sz="1400" dirty="0">
-              <a:solidFill>
-                <a:srgbClr val="7F7F7F"/>
-              </a:solidFill>
-              <a:latin typeface="Calibri"/>
-              <a:ea typeface="Calibri"/>
-              <a:cs typeface="Calibri"/>
-              <a:sym typeface="Calibri"/>
-            </a:endParaRPr>
           </a:p>
         </p:txBody>
       </p:sp>
@@ -12182,7 +12232,7 @@
         </p:nvSpPr>
         <p:spPr>
           <a:xfrm>
-            <a:off x="4652475" y="1542128"/>
+            <a:off x="4718511" y="1551446"/>
             <a:ext cx="3584307" cy="338514"/>
           </a:xfrm>
           <a:prstGeom prst="rect">
@@ -12218,7 +12268,7 @@
                 <a:cs typeface="Calibri"/>
                 <a:sym typeface="Calibri"/>
               </a:rPr>
-              <a:t>Data Cleaning and Transformation </a:t>
+              <a:t>Clean and Transform </a:t>
             </a:r>
             <a:endParaRPr dirty="0"/>
           </a:p>
@@ -12238,7 +12288,7 @@
         </p:nvSpPr>
         <p:spPr>
           <a:xfrm>
-            <a:off x="8371237" y="1553344"/>
+            <a:off x="8371237" y="1546971"/>
             <a:ext cx="3584307" cy="338514"/>
           </a:xfrm>
           <a:prstGeom prst="rect">
@@ -12318,7 +12368,7 @@
         <p:spPr bwMode="auto">
           <a:xfrm>
             <a:off x="478666" y="1373010"/>
-            <a:ext cx="749885" cy="676749"/>
+            <a:ext cx="807968" cy="729167"/>
           </a:xfrm>
           <a:prstGeom prst="rect">
             <a:avLst/>
@@ -12372,7 +12422,7 @@
         </p:blipFill>
         <p:spPr bwMode="auto">
           <a:xfrm>
-            <a:off x="4249757" y="1439203"/>
+            <a:off x="4762785" y="1422552"/>
             <a:ext cx="630082" cy="630082"/>
           </a:xfrm>
           <a:prstGeom prst="rect">
@@ -12427,7 +12477,7 @@
         </p:blipFill>
         <p:spPr bwMode="auto">
           <a:xfrm>
-            <a:off x="8869017" y="1373010"/>
+            <a:off x="8869017" y="1444105"/>
             <a:ext cx="749885" cy="586977"/>
           </a:xfrm>
           <a:prstGeom prst="rect">
@@ -12459,8 +12509,8 @@
         </p:nvSpPr>
         <p:spPr>
           <a:xfrm>
-            <a:off x="569245" y="2149277"/>
-            <a:ext cx="4331002" cy="523180"/>
+            <a:off x="306817" y="2750762"/>
+            <a:ext cx="3783905" cy="2862282"/>
           </a:xfrm>
           <a:prstGeom prst="rect">
             <a:avLst/>
@@ -12476,38 +12526,114 @@
           </a:bodyPr>
           <a:lstStyle/>
           <a:p>
-            <a:pPr marL="431800" marR="0" lvl="0" indent="-342900" algn="l" rtl="0">
-              <a:lnSpc>
-                <a:spcPct val="100000"/>
-              </a:lnSpc>
-              <a:spcBef>
-                <a:spcPts val="0"/>
-              </a:spcBef>
-              <a:spcAft>
-                <a:spcPts val="0"/>
-              </a:spcAft>
+            <a:pPr marL="88900">
               <a:buClr>
                 <a:schemeClr val="dk1"/>
               </a:buClr>
               <a:buSzPts val="1400"/>
+            </a:pPr>
+            <a:endParaRPr lang="en-US" sz="1200" dirty="0">
+              <a:solidFill>
+                <a:schemeClr val="tx1">
+                  <a:lumMod val="65000"/>
+                  <a:lumOff val="35000"/>
+                </a:schemeClr>
+              </a:solidFill>
+            </a:endParaRPr>
+          </a:p>
+          <a:p>
+            <a:pPr marL="317500" lvl="0" indent="-228600">
+              <a:buClr>
+                <a:schemeClr val="tx1">
+                  <a:lumMod val="75000"/>
+                  <a:lumOff val="25000"/>
+                </a:schemeClr>
+              </a:buClr>
+              <a:buSzPct val="100000"/>
               <a:buFont typeface="+mj-lt"/>
               <a:buAutoNum type="arabicPeriod"/>
             </a:pPr>
             <a:r>
-              <a:rPr lang="en-US" sz="1400" dirty="0" err="1">
-                <a:solidFill>
-                  <a:srgbClr val="7F7F7F"/>
+              <a:rPr lang="en-US" sz="1200" dirty="0">
+                <a:solidFill>
+                  <a:schemeClr val="tx1">
+                    <a:lumMod val="65000"/>
+                    <a:lumOff val="35000"/>
+                  </a:schemeClr>
                 </a:solidFill>
                 <a:latin typeface="Calibri"/>
                 <a:ea typeface="Calibri"/>
                 <a:cs typeface="Calibri"/>
                 <a:sym typeface="Calibri"/>
               </a:rPr>
-              <a:t>Asasd</a:t>
+              <a:t>Zillow Rent Data from Kaggle</a:t>
             </a:r>
-            <a:endParaRPr lang="en-US" sz="1400" dirty="0">
+          </a:p>
+          <a:p>
+            <a:pPr marL="88900">
+              <a:buClr>
+                <a:schemeClr val="tx1">
+                  <a:lumMod val="75000"/>
+                  <a:lumOff val="25000"/>
+                </a:schemeClr>
+              </a:buClr>
+              <a:buSzPct val="100000"/>
+            </a:pPr>
+            <a:r>
+              <a:rPr lang="en-US" sz="1200" dirty="0">
+                <a:solidFill>
+                  <a:schemeClr val="tx1">
+                    <a:lumMod val="65000"/>
+                    <a:lumOff val="35000"/>
+                  </a:schemeClr>
+                </a:solidFill>
+                <a:latin typeface="Calibri"/>
+                <a:ea typeface="Calibri"/>
+                <a:cs typeface="Calibri"/>
+                <a:sym typeface="Calibri"/>
+              </a:rPr>
+              <a:t>       </a:t>
+            </a:r>
+            <a:r>
+              <a:rPr lang="en-US" sz="1200" dirty="0">
+                <a:solidFill>
+                  <a:schemeClr val="accent1">
+                    <a:lumMod val="75000"/>
+                  </a:schemeClr>
+                </a:solidFill>
+                <a:hlinkClick r:id="rId6">
+                  <a:extLst>
+                    <a:ext uri="{A12FA001-AC4F-418D-AE19-62706E023703}">
+                      <ahyp:hlinkClr xmlns:ahyp="http://schemas.microsoft.com/office/drawing/2018/hyperlinkcolor" val="tx"/>
+                    </a:ext>
+                  </a:extLst>
+                </a:hlinkClick>
+              </a:rPr>
+              <a:t>https://www.kaggle.com/zillow/rent-index</a:t>
+            </a:r>
+            <a:endParaRPr lang="en-US" sz="1200" dirty="0">
               <a:solidFill>
-                <a:srgbClr val="7F7F7F"/>
+                <a:schemeClr val="accent1">
+                  <a:lumMod val="75000"/>
+                </a:schemeClr>
+              </a:solidFill>
+            </a:endParaRPr>
+          </a:p>
+          <a:p>
+            <a:pPr marL="88900">
+              <a:buClr>
+                <a:schemeClr val="tx1">
+                  <a:lumMod val="75000"/>
+                  <a:lumOff val="25000"/>
+                </a:schemeClr>
+              </a:buClr>
+              <a:buSzPct val="100000"/>
+            </a:pPr>
+            <a:endParaRPr lang="en-US" sz="1200" dirty="0">
+              <a:solidFill>
+                <a:schemeClr val="accent1">
+                  <a:lumMod val="75000"/>
+                </a:schemeClr>
               </a:solidFill>
               <a:latin typeface="Calibri"/>
               <a:ea typeface="Calibri"/>
@@ -12516,6 +12642,360 @@
             </a:endParaRPr>
           </a:p>
           <a:p>
+            <a:pPr marL="317500" indent="-228600">
+              <a:buClr>
+                <a:schemeClr val="tx1">
+                  <a:lumMod val="75000"/>
+                  <a:lumOff val="25000"/>
+                </a:schemeClr>
+              </a:buClr>
+              <a:buSzPct val="100000"/>
+              <a:buFont typeface="+mj-lt"/>
+              <a:buAutoNum type="arabicPeriod" startAt="2"/>
+            </a:pPr>
+            <a:r>
+              <a:rPr lang="en-US" sz="1200" dirty="0">
+                <a:solidFill>
+                  <a:schemeClr val="tx1">
+                    <a:lumMod val="65000"/>
+                    <a:lumOff val="35000"/>
+                  </a:schemeClr>
+                </a:solidFill>
+                <a:latin typeface="Calibri" panose="020F0502020204030204" pitchFamily="34" charset="0"/>
+                <a:cs typeface="Calibri" panose="020F0502020204030204" pitchFamily="34" charset="0"/>
+              </a:rPr>
+              <a:t>Eviction data set from eviction lab </a:t>
+            </a:r>
+          </a:p>
+          <a:p>
+            <a:pPr marL="88900">
+              <a:buClr>
+                <a:schemeClr val="tx1">
+                  <a:lumMod val="75000"/>
+                  <a:lumOff val="25000"/>
+                </a:schemeClr>
+              </a:buClr>
+              <a:buSzPct val="100000"/>
+            </a:pPr>
+            <a:r>
+              <a:rPr lang="en-US" sz="1200" dirty="0">
+                <a:solidFill>
+                  <a:schemeClr val="tx1">
+                    <a:lumMod val="65000"/>
+                    <a:lumOff val="35000"/>
+                  </a:schemeClr>
+                </a:solidFill>
+              </a:rPr>
+              <a:t>      </a:t>
+            </a:r>
+            <a:r>
+              <a:rPr lang="en-US" sz="1200" dirty="0">
+                <a:solidFill>
+                  <a:srgbClr val="0563C1"/>
+                </a:solidFill>
+                <a:hlinkClick r:id="rId7">
+                  <a:extLst>
+                    <a:ext uri="{A12FA001-AC4F-418D-AE19-62706E023703}">
+                      <ahyp:hlinkClr xmlns:ahyp="http://schemas.microsoft.com/office/drawing/2018/hyperlinkcolor" val="tx"/>
+                    </a:ext>
+                  </a:extLst>
+                </a:hlinkClick>
+              </a:rPr>
+              <a:t>https</a:t>
+            </a:r>
+            <a:r>
+              <a:rPr lang="en-US" sz="1200" dirty="0">
+                <a:solidFill>
+                  <a:schemeClr val="accent1">
+                    <a:lumMod val="75000"/>
+                  </a:schemeClr>
+                </a:solidFill>
+                <a:hlinkClick r:id="rId7">
+                  <a:extLst>
+                    <a:ext uri="{A12FA001-AC4F-418D-AE19-62706E023703}">
+                      <ahyp:hlinkClr xmlns:ahyp="http://schemas.microsoft.com/office/drawing/2018/hyperlinkcolor" val="tx"/>
+                    </a:ext>
+                  </a:extLst>
+                </a:hlinkClick>
+              </a:rPr>
+              <a:t>://data-downloads.evictionlab.org/</a:t>
+            </a:r>
+            <a:endParaRPr lang="en-US" sz="1200" dirty="0">
+              <a:solidFill>
+                <a:schemeClr val="accent1">
+                  <a:lumMod val="75000"/>
+                </a:schemeClr>
+              </a:solidFill>
+            </a:endParaRPr>
+          </a:p>
+          <a:p>
+            <a:pPr marL="88900">
+              <a:buClr>
+                <a:schemeClr val="tx1">
+                  <a:lumMod val="75000"/>
+                  <a:lumOff val="25000"/>
+                </a:schemeClr>
+              </a:buClr>
+              <a:buSzPct val="100000"/>
+            </a:pPr>
+            <a:endParaRPr lang="en-US" sz="1200" dirty="0">
+              <a:solidFill>
+                <a:schemeClr val="accent1">
+                  <a:lumMod val="75000"/>
+                </a:schemeClr>
+              </a:solidFill>
+            </a:endParaRPr>
+          </a:p>
+          <a:p>
+            <a:pPr marL="317500" indent="-228600">
+              <a:buClr>
+                <a:schemeClr val="tx1">
+                  <a:lumMod val="75000"/>
+                  <a:lumOff val="25000"/>
+                </a:schemeClr>
+              </a:buClr>
+              <a:buSzPct val="100000"/>
+              <a:buFont typeface="+mj-lt"/>
+              <a:buAutoNum type="arabicPeriod" startAt="3"/>
+            </a:pPr>
+            <a:r>
+              <a:rPr lang="en-US" sz="1200" dirty="0">
+                <a:solidFill>
+                  <a:schemeClr val="tx1">
+                    <a:lumMod val="65000"/>
+                    <a:lumOff val="35000"/>
+                  </a:schemeClr>
+                </a:solidFill>
+                <a:latin typeface="Calibri" panose="020F0502020204030204" pitchFamily="34" charset="0"/>
+                <a:cs typeface="Calibri" panose="020F0502020204030204" pitchFamily="34" charset="0"/>
+              </a:rPr>
+              <a:t>State and Counties master list</a:t>
+            </a:r>
+          </a:p>
+          <a:p>
+            <a:pPr marL="88900">
+              <a:buClr>
+                <a:schemeClr val="tx1">
+                  <a:lumMod val="75000"/>
+                  <a:lumOff val="25000"/>
+                </a:schemeClr>
+              </a:buClr>
+              <a:buSzPct val="100000"/>
+            </a:pPr>
+            <a:r>
+              <a:rPr lang="en-US" sz="1200" dirty="0">
+                <a:solidFill>
+                  <a:schemeClr val="tx1">
+                    <a:lumMod val="65000"/>
+                    <a:lumOff val="35000"/>
+                  </a:schemeClr>
+                </a:solidFill>
+              </a:rPr>
+              <a:t>      </a:t>
+            </a:r>
+            <a:r>
+              <a:rPr lang="en-US" sz="1200" dirty="0">
+                <a:solidFill>
+                  <a:srgbClr val="0563C1"/>
+                </a:solidFill>
+                <a:hlinkClick r:id="rId8">
+                  <a:extLst>
+                    <a:ext uri="{A12FA001-AC4F-418D-AE19-62706E023703}">
+                      <ahyp:hlinkClr xmlns:ahyp="http://schemas.microsoft.com/office/drawing/2018/hyperlinkcolor" val="tx"/>
+                    </a:ext>
+                  </a:extLst>
+                </a:hlinkClick>
+              </a:rPr>
+              <a:t>https</a:t>
+            </a:r>
+            <a:r>
+              <a:rPr lang="en-US" sz="1200" dirty="0">
+                <a:solidFill>
+                  <a:schemeClr val="accent1">
+                    <a:lumMod val="75000"/>
+                  </a:schemeClr>
+                </a:solidFill>
+                <a:hlinkClick r:id="rId8">
+                  <a:extLst>
+                    <a:ext uri="{A12FA001-AC4F-418D-AE19-62706E023703}">
+                      <ahyp:hlinkClr xmlns:ahyp="http://schemas.microsoft.com/office/drawing/2018/hyperlinkcolor" val="tx"/>
+                    </a:ext>
+                  </a:extLst>
+                </a:hlinkClick>
+              </a:rPr>
+              <a:t>://simplemaps.com/data/us-counties</a:t>
+            </a:r>
+            <a:endParaRPr lang="en-US" sz="1200" dirty="0">
+              <a:solidFill>
+                <a:schemeClr val="accent1">
+                  <a:lumMod val="75000"/>
+                </a:schemeClr>
+              </a:solidFill>
+            </a:endParaRPr>
+          </a:p>
+          <a:p>
+            <a:pPr marL="88900">
+              <a:buClr>
+                <a:schemeClr val="tx1">
+                  <a:lumMod val="75000"/>
+                  <a:lumOff val="25000"/>
+                </a:schemeClr>
+              </a:buClr>
+              <a:buSzPct val="100000"/>
+            </a:pPr>
+            <a:endParaRPr lang="en-US" sz="1200" dirty="0">
+              <a:solidFill>
+                <a:schemeClr val="tx1">
+                  <a:lumMod val="65000"/>
+                  <a:lumOff val="35000"/>
+                </a:schemeClr>
+              </a:solidFill>
+            </a:endParaRPr>
+          </a:p>
+          <a:p>
+            <a:pPr marL="317500" indent="-228600">
+              <a:buClr>
+                <a:schemeClr val="tx1">
+                  <a:lumMod val="75000"/>
+                  <a:lumOff val="25000"/>
+                </a:schemeClr>
+              </a:buClr>
+              <a:buSzPct val="100000"/>
+              <a:buFont typeface="+mj-lt"/>
+              <a:buAutoNum type="arabicPeriod" startAt="4"/>
+            </a:pPr>
+            <a:r>
+              <a:rPr lang="en-US" sz="1200" dirty="0">
+                <a:solidFill>
+                  <a:schemeClr val="tx1">
+                    <a:lumMod val="65000"/>
+                    <a:lumOff val="35000"/>
+                  </a:schemeClr>
+                </a:solidFill>
+                <a:latin typeface="Calibri" panose="020F0502020204030204" pitchFamily="34" charset="0"/>
+                <a:cs typeface="Calibri" panose="020F0502020204030204" pitchFamily="34" charset="0"/>
+              </a:rPr>
+              <a:t>State, State Code and State Abbreviations data</a:t>
+            </a:r>
+          </a:p>
+          <a:p>
+            <a:pPr marL="88900">
+              <a:buClr>
+                <a:schemeClr val="tx1">
+                  <a:lumMod val="75000"/>
+                  <a:lumOff val="25000"/>
+                </a:schemeClr>
+              </a:buClr>
+              <a:buSzPct val="100000"/>
+            </a:pPr>
+            <a:r>
+              <a:rPr lang="en-US" sz="1200" dirty="0">
+                <a:solidFill>
+                  <a:schemeClr val="tx1">
+                    <a:lumMod val="65000"/>
+                    <a:lumOff val="35000"/>
+                  </a:schemeClr>
+                </a:solidFill>
+                <a:latin typeface="Calibri" panose="020F0502020204030204" pitchFamily="34" charset="0"/>
+                <a:cs typeface="Calibri" panose="020F0502020204030204" pitchFamily="34" charset="0"/>
+              </a:rPr>
+              <a:t>       </a:t>
+            </a:r>
+            <a:r>
+              <a:rPr lang="en-US" sz="1200" dirty="0">
+                <a:solidFill>
+                  <a:srgbClr val="0563C1"/>
+                </a:solidFill>
+                <a:latin typeface="Calibri" panose="020F0502020204030204" pitchFamily="34" charset="0"/>
+                <a:cs typeface="Calibri" panose="020F0502020204030204" pitchFamily="34" charset="0"/>
+                <a:hlinkClick r:id="rId9">
+                  <a:extLst>
+                    <a:ext uri="{A12FA001-AC4F-418D-AE19-62706E023703}">
+                      <ahyp:hlinkClr xmlns:ahyp="http://schemas.microsoft.com/office/drawing/2018/hyperlinkcolor" val="tx"/>
+                    </a:ext>
+                  </a:extLst>
+                </a:hlinkClick>
+              </a:rPr>
+              <a:t>https://</a:t>
+            </a:r>
+            <a:r>
+              <a:rPr lang="en-US" sz="1200" dirty="0" err="1">
+                <a:solidFill>
+                  <a:srgbClr val="0563C1"/>
+                </a:solidFill>
+                <a:latin typeface="Calibri" panose="020F0502020204030204" pitchFamily="34" charset="0"/>
+                <a:cs typeface="Calibri" panose="020F0502020204030204" pitchFamily="34" charset="0"/>
+                <a:hlinkClick r:id="rId9">
+                  <a:extLst>
+                    <a:ext uri="{A12FA001-AC4F-418D-AE19-62706E023703}">
+                      <ahyp:hlinkClr xmlns:ahyp="http://schemas.microsoft.com/office/drawing/2018/hyperlinkcolor" val="tx"/>
+                    </a:ext>
+                  </a:extLst>
+                </a:hlinkClick>
+              </a:rPr>
+              <a:t>worldpopulationreview.com</a:t>
+            </a:r>
+            <a:r>
+              <a:rPr lang="en-US" sz="1200" dirty="0">
+                <a:solidFill>
+                  <a:schemeClr val="accent1">
+                    <a:lumMod val="75000"/>
+                  </a:schemeClr>
+                </a:solidFill>
+                <a:latin typeface="Calibri" panose="020F0502020204030204" pitchFamily="34" charset="0"/>
+                <a:cs typeface="Calibri" panose="020F0502020204030204" pitchFamily="34" charset="0"/>
+                <a:hlinkClick r:id="rId9">
+                  <a:extLst>
+                    <a:ext uri="{A12FA001-AC4F-418D-AE19-62706E023703}">
+                      <ahyp:hlinkClr xmlns:ahyp="http://schemas.microsoft.com/office/drawing/2018/hyperlinkcolor" val="tx"/>
+                    </a:ext>
+                  </a:extLst>
+                </a:hlinkClick>
+              </a:rPr>
+              <a:t>/states/state-abbreviations</a:t>
+            </a:r>
+            <a:endParaRPr lang="en-US" sz="1200" dirty="0">
+              <a:solidFill>
+                <a:schemeClr val="accent1">
+                  <a:lumMod val="75000"/>
+                </a:schemeClr>
+              </a:solidFill>
+              <a:latin typeface="Calibri" panose="020F0502020204030204" pitchFamily="34" charset="0"/>
+              <a:cs typeface="Calibri" panose="020F0502020204030204" pitchFamily="34" charset="0"/>
+            </a:endParaRPr>
+          </a:p>
+          <a:p>
+            <a:pPr marL="88900" marR="0" lvl="0" algn="l" rtl="0">
+              <a:lnSpc>
+                <a:spcPct val="100000"/>
+              </a:lnSpc>
+              <a:spcBef>
+                <a:spcPts val="0"/>
+              </a:spcBef>
+              <a:spcAft>
+                <a:spcPts val="0"/>
+              </a:spcAft>
+              <a:buClr>
+                <a:schemeClr val="tx1">
+                  <a:lumMod val="75000"/>
+                  <a:lumOff val="25000"/>
+                </a:schemeClr>
+              </a:buClr>
+              <a:buSzPct val="100000"/>
+            </a:pPr>
+            <a:endParaRPr lang="en-US" sz="1200" dirty="0">
+              <a:solidFill>
+                <a:schemeClr val="tx1">
+                  <a:lumMod val="65000"/>
+                  <a:lumOff val="35000"/>
+                </a:schemeClr>
+              </a:solidFill>
+              <a:latin typeface="Calibri" panose="020F0502020204030204" pitchFamily="34" charset="0"/>
+              <a:cs typeface="Calibri" panose="020F0502020204030204" pitchFamily="34" charset="0"/>
+              <a:sym typeface="Calibri"/>
+            </a:endParaRPr>
+          </a:p>
+          <a:p>
             <a:pPr marL="431800" marR="0" lvl="0" indent="-342900" algn="l" rtl="0">
               <a:lnSpc>
                 <a:spcPct val="100000"/>
@@ -12533,21 +13013,12 @@
               <a:buFont typeface="+mj-lt"/>
               <a:buAutoNum type="arabicPeriod"/>
             </a:pPr>
-            <a:r>
-              <a:rPr lang="en-US" dirty="0" err="1">
-                <a:solidFill>
-                  <a:srgbClr val="7F7F7F"/>
-                </a:solidFill>
-                <a:latin typeface="Calibri"/>
-                <a:ea typeface="Calibri"/>
-                <a:cs typeface="Calibri"/>
-                <a:sym typeface="Calibri"/>
-              </a:rPr>
-              <a:t>asd</a:t>
-            </a:r>
-            <a:endParaRPr lang="en-US" sz="1400" dirty="0">
+            <a:endParaRPr lang="en-US" sz="1200" dirty="0">
               <a:solidFill>
-                <a:srgbClr val="7F7F7F"/>
+                <a:schemeClr val="tx1">
+                  <a:lumMod val="65000"/>
+                  <a:lumOff val="35000"/>
+                </a:schemeClr>
               </a:solidFill>
               <a:latin typeface="Calibri"/>
               <a:ea typeface="Calibri"/>
@@ -12559,10 +13030,10 @@
       </p:sp>
       <p:sp>
         <p:nvSpPr>
-          <p:cNvPr id="43" name="Google Shape;113;gfb9413f75f_2_28">
+          <p:cNvPr id="44" name="Google Shape;113;gfb9413f75f_2_28">
             <a:extLst>
               <a:ext uri="{FF2B5EF4-FFF2-40B4-BE49-F238E27FC236}">
-                <a16:creationId xmlns:a16="http://schemas.microsoft.com/office/drawing/2014/main" id="{D055D2AF-B052-D849-9D4A-F721983E4CD6}"/>
+                <a16:creationId xmlns:a16="http://schemas.microsoft.com/office/drawing/2014/main" id="{B5B39C15-0001-0344-A893-2064162B611F}"/>
               </a:ext>
             </a:extLst>
           </p:cNvPr>
@@ -12571,8 +13042,8 @@
         </p:nvSpPr>
         <p:spPr>
           <a:xfrm>
-            <a:off x="8954727" y="2127804"/>
-            <a:ext cx="2286727" cy="523180"/>
+            <a:off x="4315728" y="2129900"/>
+            <a:ext cx="4331002" cy="461624"/>
           </a:xfrm>
           <a:prstGeom prst="rect">
             <a:avLst/>
@@ -12588,7 +13059,23 @@
           </a:bodyPr>
           <a:lstStyle/>
           <a:p>
-            <a:pPr marL="431800" marR="0" lvl="0" indent="-342900" algn="l" rtl="0">
+            <a:pPr marL="88900">
+              <a:buClr>
+                <a:schemeClr val="dk1"/>
+              </a:buClr>
+              <a:buSzPts val="1400"/>
+            </a:pPr>
+            <a:endParaRPr lang="en-US" sz="1200" dirty="0">
+              <a:solidFill>
+                <a:schemeClr val="tx1">
+                  <a:lumMod val="65000"/>
+                  <a:lumOff val="35000"/>
+                </a:schemeClr>
+              </a:solidFill>
+            </a:endParaRPr>
+          </a:p>
+          <a:p>
+            <a:pPr marL="88900" marR="0" lvl="0" algn="l" rtl="0">
               <a:lnSpc>
                 <a:spcPct val="100000"/>
               </a:lnSpc>
@@ -12602,24 +13089,13 @@
                 <a:schemeClr val="dk1"/>
               </a:buClr>
               <a:buSzPts val="1400"/>
-              <a:buFont typeface="+mj-lt"/>
-              <a:buAutoNum type="arabicPeriod"/>
             </a:pPr>
-            <a:r>
-              <a:rPr lang="en-US" sz="1400" dirty="0" err="1">
-                <a:solidFill>
-                  <a:srgbClr val="7F7F7F"/>
-                </a:solidFill>
-                <a:latin typeface="Calibri"/>
-                <a:ea typeface="Calibri"/>
-                <a:cs typeface="Calibri"/>
-                <a:sym typeface="Calibri"/>
-              </a:rPr>
-              <a:t>Asasd</a:t>
-            </a:r>
-            <a:endParaRPr lang="en-US" sz="1400" dirty="0">
+            <a:endParaRPr lang="en-US" sz="1200" dirty="0">
               <a:solidFill>
-                <a:srgbClr val="7F7F7F"/>
+                <a:schemeClr val="tx1">
+                  <a:lumMod val="65000"/>
+                  <a:lumOff val="35000"/>
+                </a:schemeClr>
               </a:solidFill>
               <a:latin typeface="Calibri"/>
               <a:ea typeface="Calibri"/>
@@ -12627,8 +13103,115 @@
               <a:sym typeface="Calibri"/>
             </a:endParaRPr>
           </a:p>
-          <a:p>
-            <a:pPr marL="431800" marR="0" lvl="0" indent="-342900" algn="l" rtl="0">
+        </p:txBody>
+      </p:sp>
+      <p:sp>
+        <p:nvSpPr>
+          <p:cNvPr id="45" name="Google Shape;113;gfb9413f75f_2_28">
+            <a:extLst>
+              <a:ext uri="{FF2B5EF4-FFF2-40B4-BE49-F238E27FC236}">
+                <a16:creationId xmlns:a16="http://schemas.microsoft.com/office/drawing/2014/main" id="{BD0BD107-148B-514B-98DC-AAE8D30F5A9F}"/>
+              </a:ext>
+            </a:extLst>
+          </p:cNvPr>
+          <p:cNvSpPr txBox="1"/>
+          <p:nvPr/>
+        </p:nvSpPr>
+        <p:spPr>
+          <a:xfrm>
+            <a:off x="427685" y="1921582"/>
+            <a:ext cx="3503753" cy="1384954"/>
+          </a:xfrm>
+          <a:prstGeom prst="rect">
+            <a:avLst/>
+          </a:prstGeom>
+          <a:noFill/>
+          <a:ln>
+            <a:noFill/>
+          </a:ln>
+        </p:spPr>
+        <p:txBody>
+          <a:bodyPr spcFirstLastPara="1" wrap="square" lIns="91425" tIns="45700" rIns="91425" bIns="45700" anchor="t" anchorCtr="0">
+            <a:spAutoFit/>
+          </a:bodyPr>
+          <a:lstStyle/>
+          <a:p>
+            <a:pPr marL="88900">
+              <a:buClr>
+                <a:schemeClr val="dk1"/>
+              </a:buClr>
+              <a:buSzPts val="1400"/>
+            </a:pPr>
+            <a:endParaRPr lang="en-US" sz="1200" dirty="0">
+              <a:solidFill>
+                <a:schemeClr val="accent1">
+                  <a:lumMod val="75000"/>
+                </a:schemeClr>
+              </a:solidFill>
+            </a:endParaRPr>
+          </a:p>
+          <a:p>
+            <a:pPr marL="88900" lvl="0">
+              <a:buClr>
+                <a:schemeClr val="tx1">
+                  <a:lumMod val="75000"/>
+                  <a:lumOff val="25000"/>
+                </a:schemeClr>
+              </a:buClr>
+              <a:buSzPct val="100000"/>
+            </a:pPr>
+            <a:r>
+              <a:rPr lang="en-US" sz="1200" dirty="0">
+                <a:solidFill>
+                  <a:schemeClr val="accent1">
+                    <a:lumMod val="75000"/>
+                  </a:schemeClr>
+                </a:solidFill>
+                <a:latin typeface="Calibri"/>
+                <a:ea typeface="Calibri"/>
+                <a:cs typeface="Calibri"/>
+                <a:sym typeface="Calibri"/>
+              </a:rPr>
+              <a:t>List of data sources where the team was able to extract the data for the ETL process, the data is centered around residential rentals and eviction rate among the population </a:t>
+            </a:r>
+          </a:p>
+          <a:p>
+            <a:pPr marL="88900">
+              <a:buClr>
+                <a:schemeClr val="tx1">
+                  <a:lumMod val="75000"/>
+                  <a:lumOff val="25000"/>
+                </a:schemeClr>
+              </a:buClr>
+              <a:buSzPct val="100000"/>
+            </a:pPr>
+            <a:r>
+              <a:rPr lang="en-US" sz="1200" dirty="0">
+                <a:solidFill>
+                  <a:schemeClr val="accent1">
+                    <a:lumMod val="75000"/>
+                  </a:schemeClr>
+                </a:solidFill>
+                <a:latin typeface="Calibri"/>
+                <a:ea typeface="Calibri"/>
+                <a:cs typeface="Calibri"/>
+                <a:sym typeface="Calibri"/>
+              </a:rPr>
+              <a:t>       </a:t>
+            </a:r>
+            <a:endParaRPr lang="en-US" sz="1200" dirty="0">
+              <a:solidFill>
+                <a:schemeClr val="accent1">
+                  <a:lumMod val="75000"/>
+                </a:schemeClr>
+              </a:solidFill>
+              <a:latin typeface="Calibri" panose="020F0502020204030204" pitchFamily="34" charset="0"/>
+              <a:cs typeface="Calibri" panose="020F0502020204030204" pitchFamily="34" charset="0"/>
+              <a:sym typeface="Calibri"/>
+            </a:endParaRPr>
+          </a:p>
+          <a:p>
+            <a:pPr marL="88900" marR="0" lvl="0" algn="l" rtl="0">
               <a:lnSpc>
                 <a:spcPct val="100000"/>
               </a:lnSpc>
@@ -12642,24 +13225,1121 @@
                 <a:schemeClr val="dk1"/>
               </a:buClr>
               <a:buSzPts val="1400"/>
-              <a:buFont typeface="+mj-lt"/>
-              <a:buAutoNum type="arabicPeriod"/>
+            </a:pPr>
+            <a:endParaRPr lang="en-US" sz="1200" dirty="0">
+              <a:solidFill>
+                <a:schemeClr val="accent1">
+                  <a:lumMod val="75000"/>
+                </a:schemeClr>
+              </a:solidFill>
+              <a:latin typeface="Calibri"/>
+              <a:ea typeface="Calibri"/>
+              <a:cs typeface="Calibri"/>
+              <a:sym typeface="Calibri"/>
+            </a:endParaRPr>
+          </a:p>
+        </p:txBody>
+      </p:sp>
+      <p:sp>
+        <p:nvSpPr>
+          <p:cNvPr id="46" name="Google Shape;113;gfb9413f75f_2_28">
+            <a:extLst>
+              <a:ext uri="{FF2B5EF4-FFF2-40B4-BE49-F238E27FC236}">
+                <a16:creationId xmlns:a16="http://schemas.microsoft.com/office/drawing/2014/main" id="{6C97C910-2CDC-954A-BCB1-695566F13A2C}"/>
+              </a:ext>
+            </a:extLst>
+          </p:cNvPr>
+          <p:cNvSpPr txBox="1"/>
+          <p:nvPr/>
+        </p:nvSpPr>
+        <p:spPr>
+          <a:xfrm>
+            <a:off x="4186493" y="1907697"/>
+            <a:ext cx="3584307" cy="830956"/>
+          </a:xfrm>
+          <a:prstGeom prst="rect">
+            <a:avLst/>
+          </a:prstGeom>
+          <a:noFill/>
+          <a:ln>
+            <a:noFill/>
+          </a:ln>
+        </p:spPr>
+        <p:txBody>
+          <a:bodyPr spcFirstLastPara="1" wrap="square" lIns="91425" tIns="45700" rIns="91425" bIns="45700" anchor="t" anchorCtr="0">
+            <a:spAutoFit/>
+          </a:bodyPr>
+          <a:lstStyle/>
+          <a:p>
+            <a:pPr marL="88900">
+              <a:buClr>
+                <a:schemeClr val="dk1"/>
+              </a:buClr>
+              <a:buSzPts val="1400"/>
+            </a:pPr>
+            <a:endParaRPr lang="en-US" sz="1200" dirty="0">
+              <a:solidFill>
+                <a:schemeClr val="tx1">
+                  <a:lumMod val="65000"/>
+                  <a:lumOff val="35000"/>
+                </a:schemeClr>
+              </a:solidFill>
+            </a:endParaRPr>
+          </a:p>
+          <a:p>
+            <a:pPr marL="88900" lvl="0">
+              <a:buClr>
+                <a:schemeClr val="tx1">
+                  <a:lumMod val="75000"/>
+                  <a:lumOff val="25000"/>
+                </a:schemeClr>
+              </a:buClr>
+              <a:buSzPct val="100000"/>
+            </a:pPr>
+            <a:endParaRPr lang="en-US" sz="1200" dirty="0">
+              <a:solidFill>
+                <a:schemeClr val="tx1">
+                  <a:lumMod val="65000"/>
+                  <a:lumOff val="35000"/>
+                </a:schemeClr>
+              </a:solidFill>
+              <a:latin typeface="Calibri"/>
+              <a:ea typeface="Calibri"/>
+              <a:cs typeface="Calibri"/>
+              <a:sym typeface="Calibri"/>
+            </a:endParaRPr>
+          </a:p>
+          <a:p>
+            <a:pPr marL="88900">
+              <a:buClr>
+                <a:schemeClr val="tx1">
+                  <a:lumMod val="75000"/>
+                  <a:lumOff val="25000"/>
+                </a:schemeClr>
+              </a:buClr>
+              <a:buSzPct val="100000"/>
             </a:pPr>
             <a:r>
-              <a:rPr lang="en-US" dirty="0" err="1">
-                <a:solidFill>
-                  <a:srgbClr val="7F7F7F"/>
+              <a:rPr lang="en-US" sz="1200" dirty="0">
+                <a:solidFill>
+                  <a:schemeClr val="tx1">
+                    <a:lumMod val="65000"/>
+                    <a:lumOff val="35000"/>
+                  </a:schemeClr>
                 </a:solidFill>
                 <a:latin typeface="Calibri"/>
                 <a:ea typeface="Calibri"/>
                 <a:cs typeface="Calibri"/>
                 <a:sym typeface="Calibri"/>
               </a:rPr>
-              <a:t>asd</a:t>
+              <a:t>       </a:t>
             </a:r>
-            <a:endParaRPr lang="en-US" sz="1400" dirty="0">
+            <a:endParaRPr lang="en-US" sz="1200" dirty="0">
               <a:solidFill>
-                <a:srgbClr val="7F7F7F"/>
+                <a:schemeClr val="tx1">
+                  <a:lumMod val="65000"/>
+                  <a:lumOff val="35000"/>
+                </a:schemeClr>
+              </a:solidFill>
+              <a:latin typeface="Calibri" panose="020F0502020204030204" pitchFamily="34" charset="0"/>
+              <a:cs typeface="Calibri" panose="020F0502020204030204" pitchFamily="34" charset="0"/>
+              <a:sym typeface="Calibri"/>
+            </a:endParaRPr>
+          </a:p>
+          <a:p>
+            <a:pPr marL="88900" marR="0" lvl="0" algn="l" rtl="0">
+              <a:lnSpc>
+                <a:spcPct val="100000"/>
+              </a:lnSpc>
+              <a:spcBef>
+                <a:spcPts val="0"/>
+              </a:spcBef>
+              <a:spcAft>
+                <a:spcPts val="0"/>
+              </a:spcAft>
+              <a:buClr>
+                <a:schemeClr val="dk1"/>
+              </a:buClr>
+              <a:buSzPts val="1400"/>
+            </a:pPr>
+            <a:endParaRPr lang="en-US" sz="1200" dirty="0">
+              <a:solidFill>
+                <a:schemeClr val="tx1">
+                  <a:lumMod val="65000"/>
+                  <a:lumOff val="35000"/>
+                </a:schemeClr>
+              </a:solidFill>
+              <a:latin typeface="Calibri"/>
+              <a:ea typeface="Calibri"/>
+              <a:cs typeface="Calibri"/>
+              <a:sym typeface="Calibri"/>
+            </a:endParaRPr>
+          </a:p>
+        </p:txBody>
+      </p:sp>
+      <p:sp>
+        <p:nvSpPr>
+          <p:cNvPr id="47" name="Google Shape;113;gfb9413f75f_2_28">
+            <a:extLst>
+              <a:ext uri="{FF2B5EF4-FFF2-40B4-BE49-F238E27FC236}">
+                <a16:creationId xmlns:a16="http://schemas.microsoft.com/office/drawing/2014/main" id="{702ABA52-8B7D-D94A-9B4C-81532E4A222D}"/>
+              </a:ext>
+            </a:extLst>
+          </p:cNvPr>
+          <p:cNvSpPr txBox="1"/>
+          <p:nvPr/>
+        </p:nvSpPr>
+        <p:spPr>
+          <a:xfrm>
+            <a:off x="4652475" y="1921582"/>
+            <a:ext cx="3503753" cy="1200288"/>
+          </a:xfrm>
+          <a:prstGeom prst="rect">
+            <a:avLst/>
+          </a:prstGeom>
+          <a:noFill/>
+          <a:ln>
+            <a:noFill/>
+          </a:ln>
+        </p:spPr>
+        <p:txBody>
+          <a:bodyPr spcFirstLastPara="1" wrap="square" lIns="91425" tIns="45700" rIns="91425" bIns="45700" anchor="t" anchorCtr="0">
+            <a:spAutoFit/>
+          </a:bodyPr>
+          <a:lstStyle/>
+          <a:p>
+            <a:pPr marL="88900">
+              <a:buClr>
+                <a:schemeClr val="dk1"/>
+              </a:buClr>
+              <a:buSzPts val="1400"/>
+            </a:pPr>
+            <a:endParaRPr lang="en-US" sz="1200" dirty="0">
+              <a:solidFill>
+                <a:schemeClr val="accent1">
+                  <a:lumMod val="75000"/>
+                </a:schemeClr>
+              </a:solidFill>
+            </a:endParaRPr>
+          </a:p>
+          <a:p>
+            <a:pPr marL="88900" lvl="0">
+              <a:buClr>
+                <a:schemeClr val="tx1">
+                  <a:lumMod val="75000"/>
+                  <a:lumOff val="25000"/>
+                </a:schemeClr>
+              </a:buClr>
+              <a:buSzPct val="100000"/>
+            </a:pPr>
+            <a:r>
+              <a:rPr lang="en-US" sz="1200" dirty="0">
+                <a:solidFill>
+                  <a:schemeClr val="accent1">
+                    <a:lumMod val="75000"/>
+                  </a:schemeClr>
+                </a:solidFill>
+                <a:latin typeface="Calibri"/>
+                <a:ea typeface="Calibri"/>
+                <a:cs typeface="Calibri"/>
+                <a:sym typeface="Calibri"/>
+              </a:rPr>
+              <a:t>High level steps involving the data cleaning and transformation into a state where the data can be saved into the data base</a:t>
+            </a:r>
+          </a:p>
+          <a:p>
+            <a:pPr marL="88900">
+              <a:buClr>
+                <a:schemeClr val="tx1">
+                  <a:lumMod val="75000"/>
+                  <a:lumOff val="25000"/>
+                </a:schemeClr>
+              </a:buClr>
+              <a:buSzPct val="100000"/>
+            </a:pPr>
+            <a:r>
+              <a:rPr lang="en-US" sz="1200" dirty="0">
+                <a:solidFill>
+                  <a:schemeClr val="accent1">
+                    <a:lumMod val="75000"/>
+                  </a:schemeClr>
+                </a:solidFill>
+                <a:latin typeface="Calibri"/>
+                <a:ea typeface="Calibri"/>
+                <a:cs typeface="Calibri"/>
+                <a:sym typeface="Calibri"/>
+              </a:rPr>
+              <a:t>       </a:t>
+            </a:r>
+            <a:endParaRPr lang="en-US" sz="1200" dirty="0">
+              <a:solidFill>
+                <a:schemeClr val="accent1">
+                  <a:lumMod val="75000"/>
+                </a:schemeClr>
+              </a:solidFill>
+              <a:latin typeface="Calibri" panose="020F0502020204030204" pitchFamily="34" charset="0"/>
+              <a:cs typeface="Calibri" panose="020F0502020204030204" pitchFamily="34" charset="0"/>
+              <a:sym typeface="Calibri"/>
+            </a:endParaRPr>
+          </a:p>
+          <a:p>
+            <a:pPr marL="88900" marR="0" lvl="0" algn="l" rtl="0">
+              <a:lnSpc>
+                <a:spcPct val="100000"/>
+              </a:lnSpc>
+              <a:spcBef>
+                <a:spcPts val="0"/>
+              </a:spcBef>
+              <a:spcAft>
+                <a:spcPts val="0"/>
+              </a:spcAft>
+              <a:buClr>
+                <a:schemeClr val="dk1"/>
+              </a:buClr>
+              <a:buSzPts val="1400"/>
+            </a:pPr>
+            <a:endParaRPr lang="en-US" sz="1200" dirty="0">
+              <a:solidFill>
+                <a:schemeClr val="accent1">
+                  <a:lumMod val="75000"/>
+                </a:schemeClr>
+              </a:solidFill>
+              <a:latin typeface="Calibri"/>
+              <a:ea typeface="Calibri"/>
+              <a:cs typeface="Calibri"/>
+              <a:sym typeface="Calibri"/>
+            </a:endParaRPr>
+          </a:p>
+        </p:txBody>
+      </p:sp>
+      <p:sp>
+        <p:nvSpPr>
+          <p:cNvPr id="48" name="Google Shape;113;gfb9413f75f_2_28">
+            <a:extLst>
+              <a:ext uri="{FF2B5EF4-FFF2-40B4-BE49-F238E27FC236}">
+                <a16:creationId xmlns:a16="http://schemas.microsoft.com/office/drawing/2014/main" id="{593ADC48-B1C1-D943-9FA6-970018C7F2ED}"/>
+              </a:ext>
+            </a:extLst>
+          </p:cNvPr>
+          <p:cNvSpPr txBox="1"/>
+          <p:nvPr/>
+        </p:nvSpPr>
+        <p:spPr>
+          <a:xfrm>
+            <a:off x="4427469" y="2750762"/>
+            <a:ext cx="3503753" cy="3785611"/>
+          </a:xfrm>
+          <a:prstGeom prst="rect">
+            <a:avLst/>
+          </a:prstGeom>
+          <a:noFill/>
+          <a:ln>
+            <a:noFill/>
+          </a:ln>
+        </p:spPr>
+        <p:txBody>
+          <a:bodyPr spcFirstLastPara="1" wrap="square" lIns="91425" tIns="45700" rIns="91425" bIns="45700" anchor="t" anchorCtr="0">
+            <a:spAutoFit/>
+          </a:bodyPr>
+          <a:lstStyle/>
+          <a:p>
+            <a:pPr marL="260350" indent="-171450">
+              <a:buClr>
+                <a:schemeClr val="dk1"/>
+              </a:buClr>
+              <a:buSzPts val="1400"/>
+              <a:buFont typeface="Arial" panose="020B0604020202020204" pitchFamily="34" charset="0"/>
+              <a:buChar char="•"/>
+            </a:pPr>
+            <a:endParaRPr lang="en-US" sz="1200" dirty="0">
+              <a:solidFill>
+                <a:schemeClr val="tx1">
+                  <a:lumMod val="65000"/>
+                  <a:lumOff val="35000"/>
+                </a:schemeClr>
+              </a:solidFill>
+            </a:endParaRPr>
+          </a:p>
+          <a:p>
+            <a:pPr marL="260350" lvl="0" indent="-171450">
+              <a:buClr>
+                <a:schemeClr val="tx1">
+                  <a:lumMod val="75000"/>
+                  <a:lumOff val="25000"/>
+                </a:schemeClr>
+              </a:buClr>
+              <a:buSzPct val="100000"/>
+              <a:buFont typeface="Arial" panose="020B0604020202020204" pitchFamily="34" charset="0"/>
+              <a:buChar char="•"/>
+            </a:pPr>
+            <a:r>
+              <a:rPr lang="en-US" sz="1200" dirty="0">
+                <a:solidFill>
+                  <a:schemeClr val="tx1">
+                    <a:lumMod val="65000"/>
+                    <a:lumOff val="35000"/>
+                  </a:schemeClr>
+                </a:solidFill>
+                <a:latin typeface="Calibri"/>
+                <a:ea typeface="Calibri"/>
+                <a:cs typeface="Calibri"/>
+                <a:sym typeface="Calibri"/>
+              </a:rPr>
+              <a:t>Analyze each data set to understand the fields and the information in the data</a:t>
+            </a:r>
+          </a:p>
+          <a:p>
+            <a:pPr marL="260350" lvl="0" indent="-171450">
+              <a:buClr>
+                <a:schemeClr val="tx1">
+                  <a:lumMod val="75000"/>
+                  <a:lumOff val="25000"/>
+                </a:schemeClr>
+              </a:buClr>
+              <a:buSzPct val="100000"/>
+              <a:buFont typeface="Arial" panose="020B0604020202020204" pitchFamily="34" charset="0"/>
+              <a:buChar char="•"/>
+            </a:pPr>
+            <a:endParaRPr lang="en-US" sz="1200" dirty="0">
+              <a:solidFill>
+                <a:schemeClr val="tx1">
+                  <a:lumMod val="65000"/>
+                  <a:lumOff val="35000"/>
+                </a:schemeClr>
+              </a:solidFill>
+              <a:latin typeface="Calibri"/>
+              <a:ea typeface="Calibri"/>
+              <a:cs typeface="Calibri"/>
+              <a:sym typeface="Calibri"/>
+            </a:endParaRPr>
+          </a:p>
+          <a:p>
+            <a:pPr marL="260350" lvl="0" indent="-171450">
+              <a:buClr>
+                <a:schemeClr val="tx1">
+                  <a:lumMod val="75000"/>
+                  <a:lumOff val="25000"/>
+                </a:schemeClr>
+              </a:buClr>
+              <a:buSzPct val="100000"/>
+              <a:buFont typeface="Arial" panose="020B0604020202020204" pitchFamily="34" charset="0"/>
+              <a:buChar char="•"/>
+            </a:pPr>
+            <a:r>
+              <a:rPr lang="en-US" sz="1200" dirty="0">
+                <a:solidFill>
+                  <a:schemeClr val="tx1">
+                    <a:lumMod val="65000"/>
+                    <a:lumOff val="35000"/>
+                  </a:schemeClr>
+                </a:solidFill>
+                <a:latin typeface="Calibri"/>
+                <a:ea typeface="Calibri"/>
+                <a:cs typeface="Calibri"/>
+                <a:sym typeface="Calibri"/>
+              </a:rPr>
+              <a:t>Drop data that is not relevant or has nulls in the fields</a:t>
+            </a:r>
+          </a:p>
+          <a:p>
+            <a:pPr marL="260350" lvl="0" indent="-171450">
+              <a:buClr>
+                <a:schemeClr val="tx1">
+                  <a:lumMod val="75000"/>
+                  <a:lumOff val="25000"/>
+                </a:schemeClr>
+              </a:buClr>
+              <a:buSzPct val="100000"/>
+              <a:buFont typeface="Arial" panose="020B0604020202020204" pitchFamily="34" charset="0"/>
+              <a:buChar char="•"/>
+            </a:pPr>
+            <a:endParaRPr lang="en-US" sz="1200" dirty="0">
+              <a:solidFill>
+                <a:schemeClr val="tx1">
+                  <a:lumMod val="65000"/>
+                  <a:lumOff val="35000"/>
+                </a:schemeClr>
+              </a:solidFill>
+              <a:latin typeface="Calibri"/>
+              <a:ea typeface="Calibri"/>
+              <a:cs typeface="Calibri"/>
+              <a:sym typeface="Calibri"/>
+            </a:endParaRPr>
+          </a:p>
+          <a:p>
+            <a:pPr marL="260350" indent="-171450">
+              <a:buClr>
+                <a:schemeClr val="tx1">
+                  <a:lumMod val="75000"/>
+                  <a:lumOff val="25000"/>
+                </a:schemeClr>
+              </a:buClr>
+              <a:buSzPct val="100000"/>
+              <a:buFont typeface="Arial" panose="020B0604020202020204" pitchFamily="34" charset="0"/>
+              <a:buChar char="•"/>
+            </a:pPr>
+            <a:r>
+              <a:rPr lang="en-US" sz="1200" dirty="0">
+                <a:solidFill>
+                  <a:schemeClr val="tx1">
+                    <a:lumMod val="65000"/>
+                    <a:lumOff val="35000"/>
+                  </a:schemeClr>
+                </a:solidFill>
+                <a:latin typeface="Calibri"/>
+                <a:cs typeface="Calibri"/>
+                <a:sym typeface="Calibri"/>
+              </a:rPr>
+              <a:t>Determine the key that maps the different dataset – In this case it was the State and County </a:t>
+            </a:r>
+          </a:p>
+          <a:p>
+            <a:pPr marL="260350" indent="-171450">
+              <a:buClr>
+                <a:schemeClr val="tx1">
+                  <a:lumMod val="75000"/>
+                  <a:lumOff val="25000"/>
+                </a:schemeClr>
+              </a:buClr>
+              <a:buSzPct val="100000"/>
+              <a:buFont typeface="Arial" panose="020B0604020202020204" pitchFamily="34" charset="0"/>
+              <a:buChar char="•"/>
+            </a:pPr>
+            <a:endParaRPr lang="en-US" sz="1200" dirty="0">
+              <a:solidFill>
+                <a:schemeClr val="tx1">
+                  <a:lumMod val="65000"/>
+                  <a:lumOff val="35000"/>
+                </a:schemeClr>
+              </a:solidFill>
+              <a:latin typeface="Calibri"/>
+              <a:cs typeface="Calibri"/>
+              <a:sym typeface="Calibri"/>
+            </a:endParaRPr>
+          </a:p>
+          <a:p>
+            <a:pPr marL="260350" indent="-171450">
+              <a:buClr>
+                <a:schemeClr val="tx1">
+                  <a:lumMod val="75000"/>
+                  <a:lumOff val="25000"/>
+                </a:schemeClr>
+              </a:buClr>
+              <a:buSzPct val="100000"/>
+              <a:buFont typeface="Arial" panose="020B0604020202020204" pitchFamily="34" charset="0"/>
+              <a:buChar char="•"/>
+            </a:pPr>
+            <a:r>
+              <a:rPr lang="en-US" sz="1200" dirty="0">
+                <a:solidFill>
+                  <a:schemeClr val="tx1">
+                    <a:lumMod val="65000"/>
+                    <a:lumOff val="35000"/>
+                  </a:schemeClr>
+                </a:solidFill>
+                <a:latin typeface="Calibri"/>
+                <a:cs typeface="Calibri"/>
+                <a:sym typeface="Calibri"/>
+              </a:rPr>
+              <a:t>Determine the columns to keep and drop in each dataset</a:t>
+            </a:r>
+          </a:p>
+          <a:p>
+            <a:pPr marL="260350" indent="-171450">
+              <a:buClr>
+                <a:schemeClr val="tx1">
+                  <a:lumMod val="75000"/>
+                  <a:lumOff val="25000"/>
+                </a:schemeClr>
+              </a:buClr>
+              <a:buSzPct val="100000"/>
+              <a:buFont typeface="Arial" panose="020B0604020202020204" pitchFamily="34" charset="0"/>
+              <a:buChar char="•"/>
+            </a:pPr>
+            <a:endParaRPr lang="en-US" sz="1200" dirty="0">
+              <a:solidFill>
+                <a:schemeClr val="tx1">
+                  <a:lumMod val="65000"/>
+                  <a:lumOff val="35000"/>
+                </a:schemeClr>
+              </a:solidFill>
+              <a:latin typeface="Calibri"/>
+              <a:cs typeface="Calibri"/>
+              <a:sym typeface="Calibri"/>
+            </a:endParaRPr>
+          </a:p>
+          <a:p>
+            <a:pPr marL="260350" indent="-171450">
+              <a:buClr>
+                <a:schemeClr val="tx1">
+                  <a:lumMod val="75000"/>
+                  <a:lumOff val="25000"/>
+                </a:schemeClr>
+              </a:buClr>
+              <a:buSzPct val="100000"/>
+              <a:buFont typeface="Arial" panose="020B0604020202020204" pitchFamily="34" charset="0"/>
+              <a:buChar char="•"/>
+            </a:pPr>
+            <a:r>
+              <a:rPr lang="en-US" sz="1200" dirty="0">
+                <a:solidFill>
+                  <a:schemeClr val="tx1">
+                    <a:lumMod val="65000"/>
+                    <a:lumOff val="35000"/>
+                  </a:schemeClr>
+                </a:solidFill>
+                <a:latin typeface="Calibri"/>
+                <a:cs typeface="Calibri"/>
+                <a:sym typeface="Calibri"/>
+              </a:rPr>
+              <a:t>Rename the columns to conform to the DB column names and are descriptive</a:t>
+            </a:r>
+          </a:p>
+          <a:p>
+            <a:pPr marL="260350" indent="-171450">
+              <a:buClr>
+                <a:schemeClr val="tx1">
+                  <a:lumMod val="75000"/>
+                  <a:lumOff val="25000"/>
+                </a:schemeClr>
+              </a:buClr>
+              <a:buSzPct val="100000"/>
+              <a:buFont typeface="Arial" panose="020B0604020202020204" pitchFamily="34" charset="0"/>
+              <a:buChar char="•"/>
+            </a:pPr>
+            <a:endParaRPr lang="en-US" sz="1200" dirty="0">
+              <a:solidFill>
+                <a:schemeClr val="tx1">
+                  <a:lumMod val="65000"/>
+                  <a:lumOff val="35000"/>
+                </a:schemeClr>
+              </a:solidFill>
+              <a:latin typeface="Calibri"/>
+              <a:cs typeface="Calibri"/>
+              <a:sym typeface="Calibri"/>
+            </a:endParaRPr>
+          </a:p>
+          <a:p>
+            <a:pPr marL="260350" indent="-171450">
+              <a:buClr>
+                <a:schemeClr val="tx1">
+                  <a:lumMod val="75000"/>
+                  <a:lumOff val="25000"/>
+                </a:schemeClr>
+              </a:buClr>
+              <a:buSzPct val="100000"/>
+              <a:buFont typeface="Arial" panose="020B0604020202020204" pitchFamily="34" charset="0"/>
+              <a:buChar char="•"/>
+            </a:pPr>
+            <a:r>
+              <a:rPr lang="en-US" sz="1200" dirty="0">
+                <a:solidFill>
+                  <a:schemeClr val="tx1">
+                    <a:lumMod val="65000"/>
+                    <a:lumOff val="35000"/>
+                  </a:schemeClr>
+                </a:solidFill>
+                <a:latin typeface="Calibri"/>
+                <a:cs typeface="Calibri"/>
+                <a:sym typeface="Calibri"/>
+              </a:rPr>
+              <a:t>Standardize the State and County fields across the datasets for consistency</a:t>
+            </a:r>
+          </a:p>
+          <a:p>
+            <a:pPr marL="260350" indent="-171450">
+              <a:buClr>
+                <a:schemeClr val="tx1">
+                  <a:lumMod val="75000"/>
+                  <a:lumOff val="25000"/>
+                </a:schemeClr>
+              </a:buClr>
+              <a:buSzPct val="100000"/>
+              <a:buFont typeface="Arial" panose="020B0604020202020204" pitchFamily="34" charset="0"/>
+              <a:buChar char="•"/>
+            </a:pPr>
+            <a:endParaRPr lang="en-US" sz="1200" dirty="0">
+              <a:solidFill>
+                <a:schemeClr val="tx1">
+                  <a:lumMod val="65000"/>
+                  <a:lumOff val="35000"/>
+                </a:schemeClr>
+              </a:solidFill>
+              <a:latin typeface="Calibri" panose="020F0502020204030204" pitchFamily="34" charset="0"/>
+              <a:cs typeface="Calibri" panose="020F0502020204030204" pitchFamily="34" charset="0"/>
+              <a:sym typeface="Calibri"/>
+            </a:endParaRPr>
+          </a:p>
+          <a:p>
+            <a:pPr marL="260350" marR="0" lvl="0" indent="-171450" algn="l" rtl="0">
+              <a:lnSpc>
+                <a:spcPct val="100000"/>
+              </a:lnSpc>
+              <a:spcBef>
+                <a:spcPts val="0"/>
+              </a:spcBef>
+              <a:spcAft>
+                <a:spcPts val="0"/>
+              </a:spcAft>
+              <a:buClr>
+                <a:schemeClr val="dk1"/>
+              </a:buClr>
+              <a:buSzPts val="1400"/>
+              <a:buFont typeface="Arial" panose="020B0604020202020204" pitchFamily="34" charset="0"/>
+              <a:buChar char="•"/>
+            </a:pPr>
+            <a:endParaRPr lang="en-US" sz="1200" dirty="0">
+              <a:solidFill>
+                <a:schemeClr val="tx1">
+                  <a:lumMod val="65000"/>
+                  <a:lumOff val="35000"/>
+                </a:schemeClr>
+              </a:solidFill>
+              <a:latin typeface="Calibri"/>
+              <a:ea typeface="Calibri"/>
+              <a:cs typeface="Calibri"/>
+              <a:sym typeface="Calibri"/>
+            </a:endParaRPr>
+          </a:p>
+        </p:txBody>
+      </p:sp>
+      <p:sp>
+        <p:nvSpPr>
+          <p:cNvPr id="49" name="Google Shape;113;gfb9413f75f_2_28">
+            <a:extLst>
+              <a:ext uri="{FF2B5EF4-FFF2-40B4-BE49-F238E27FC236}">
+                <a16:creationId xmlns:a16="http://schemas.microsoft.com/office/drawing/2014/main" id="{291DAF46-BDCF-6146-B507-BAC6955ADFF0}"/>
+              </a:ext>
+            </a:extLst>
+          </p:cNvPr>
+          <p:cNvSpPr txBox="1"/>
+          <p:nvPr/>
+        </p:nvSpPr>
+        <p:spPr>
+          <a:xfrm>
+            <a:off x="8877265" y="1921582"/>
+            <a:ext cx="2636556" cy="1015622"/>
+          </a:xfrm>
+          <a:prstGeom prst="rect">
+            <a:avLst/>
+          </a:prstGeom>
+          <a:noFill/>
+          <a:ln>
+            <a:noFill/>
+          </a:ln>
+        </p:spPr>
+        <p:txBody>
+          <a:bodyPr spcFirstLastPara="1" wrap="square" lIns="91425" tIns="45700" rIns="91425" bIns="45700" anchor="t" anchorCtr="0">
+            <a:spAutoFit/>
+          </a:bodyPr>
+          <a:lstStyle/>
+          <a:p>
+            <a:pPr marL="88900">
+              <a:buClr>
+                <a:schemeClr val="dk1"/>
+              </a:buClr>
+              <a:buSzPts val="1400"/>
+            </a:pPr>
+            <a:endParaRPr lang="en-US" sz="1200" dirty="0">
+              <a:solidFill>
+                <a:schemeClr val="accent1">
+                  <a:lumMod val="75000"/>
+                </a:schemeClr>
+              </a:solidFill>
+            </a:endParaRPr>
+          </a:p>
+          <a:p>
+            <a:pPr marL="88900" lvl="0">
+              <a:buClr>
+                <a:schemeClr val="tx1">
+                  <a:lumMod val="75000"/>
+                  <a:lumOff val="25000"/>
+                </a:schemeClr>
+              </a:buClr>
+              <a:buSzPct val="100000"/>
+            </a:pPr>
+            <a:r>
+              <a:rPr lang="en-US" sz="1200" dirty="0">
+                <a:solidFill>
+                  <a:schemeClr val="accent1">
+                    <a:lumMod val="75000"/>
+                  </a:schemeClr>
+                </a:solidFill>
+                <a:latin typeface="Calibri"/>
+                <a:ea typeface="Calibri"/>
+                <a:cs typeface="Calibri"/>
+                <a:sym typeface="Calibri"/>
+              </a:rPr>
+              <a:t>Team decided to load the data in an RDBMS instead for a document DB</a:t>
+            </a:r>
+          </a:p>
+          <a:p>
+            <a:pPr marL="88900">
+              <a:buClr>
+                <a:schemeClr val="tx1">
+                  <a:lumMod val="75000"/>
+                  <a:lumOff val="25000"/>
+                </a:schemeClr>
+              </a:buClr>
+              <a:buSzPct val="100000"/>
+            </a:pPr>
+            <a:r>
+              <a:rPr lang="en-US" sz="1200" dirty="0">
+                <a:solidFill>
+                  <a:schemeClr val="accent1">
+                    <a:lumMod val="75000"/>
+                  </a:schemeClr>
+                </a:solidFill>
+                <a:latin typeface="Calibri"/>
+                <a:ea typeface="Calibri"/>
+                <a:cs typeface="Calibri"/>
+                <a:sym typeface="Calibri"/>
+              </a:rPr>
+              <a:t>       </a:t>
+            </a:r>
+            <a:endParaRPr lang="en-US" sz="1200" dirty="0">
+              <a:solidFill>
+                <a:schemeClr val="accent1">
+                  <a:lumMod val="75000"/>
+                </a:schemeClr>
+              </a:solidFill>
+              <a:latin typeface="Calibri" panose="020F0502020204030204" pitchFamily="34" charset="0"/>
+              <a:cs typeface="Calibri" panose="020F0502020204030204" pitchFamily="34" charset="0"/>
+              <a:sym typeface="Calibri"/>
+            </a:endParaRPr>
+          </a:p>
+          <a:p>
+            <a:pPr marL="88900" marR="0" lvl="0" algn="l" rtl="0">
+              <a:lnSpc>
+                <a:spcPct val="100000"/>
+              </a:lnSpc>
+              <a:spcBef>
+                <a:spcPts val="0"/>
+              </a:spcBef>
+              <a:spcAft>
+                <a:spcPts val="0"/>
+              </a:spcAft>
+              <a:buClr>
+                <a:schemeClr val="dk1"/>
+              </a:buClr>
+              <a:buSzPts val="1400"/>
+            </a:pPr>
+            <a:endParaRPr lang="en-US" sz="1200" dirty="0">
+              <a:solidFill>
+                <a:schemeClr val="accent1">
+                  <a:lumMod val="75000"/>
+                </a:schemeClr>
+              </a:solidFill>
+              <a:latin typeface="Calibri"/>
+              <a:ea typeface="Calibri"/>
+              <a:cs typeface="Calibri"/>
+              <a:sym typeface="Calibri"/>
+            </a:endParaRPr>
+          </a:p>
+        </p:txBody>
+      </p:sp>
+      <p:sp>
+        <p:nvSpPr>
+          <p:cNvPr id="50" name="Google Shape;113;gfb9413f75f_2_28">
+            <a:extLst>
+              <a:ext uri="{FF2B5EF4-FFF2-40B4-BE49-F238E27FC236}">
+                <a16:creationId xmlns:a16="http://schemas.microsoft.com/office/drawing/2014/main" id="{BC11872A-E518-A347-9765-B548A7C92BDB}"/>
+              </a:ext>
+            </a:extLst>
+          </p:cNvPr>
+          <p:cNvSpPr txBox="1"/>
+          <p:nvPr/>
+        </p:nvSpPr>
+        <p:spPr>
+          <a:xfrm>
+            <a:off x="9029542" y="2750762"/>
+            <a:ext cx="2391865" cy="2862282"/>
+          </a:xfrm>
+          <a:prstGeom prst="rect">
+            <a:avLst/>
+          </a:prstGeom>
+          <a:noFill/>
+          <a:ln>
+            <a:noFill/>
+          </a:ln>
+        </p:spPr>
+        <p:txBody>
+          <a:bodyPr spcFirstLastPara="1" wrap="square" lIns="91425" tIns="45700" rIns="91425" bIns="45700" anchor="t" anchorCtr="0">
+            <a:spAutoFit/>
+          </a:bodyPr>
+          <a:lstStyle/>
+          <a:p>
+            <a:pPr marL="260350" indent="-171450">
+              <a:buClr>
+                <a:schemeClr val="dk1"/>
+              </a:buClr>
+              <a:buSzPts val="1400"/>
+              <a:buFont typeface="Arial" panose="020B0604020202020204" pitchFamily="34" charset="0"/>
+              <a:buChar char="•"/>
+            </a:pPr>
+            <a:endParaRPr lang="en-US" sz="1200" dirty="0">
+              <a:solidFill>
+                <a:schemeClr val="tx1">
+                  <a:lumMod val="65000"/>
+                  <a:lumOff val="35000"/>
+                </a:schemeClr>
+              </a:solidFill>
+            </a:endParaRPr>
+          </a:p>
+          <a:p>
+            <a:pPr marL="260350" lvl="0" indent="-171450">
+              <a:buClr>
+                <a:schemeClr val="tx1">
+                  <a:lumMod val="75000"/>
+                  <a:lumOff val="25000"/>
+                </a:schemeClr>
+              </a:buClr>
+              <a:buSzPct val="100000"/>
+              <a:buFont typeface="Arial" panose="020B0604020202020204" pitchFamily="34" charset="0"/>
+              <a:buChar char="•"/>
+            </a:pPr>
+            <a:r>
+              <a:rPr lang="en-US" sz="1200" dirty="0">
+                <a:solidFill>
+                  <a:schemeClr val="tx1">
+                    <a:lumMod val="65000"/>
+                    <a:lumOff val="35000"/>
+                  </a:schemeClr>
+                </a:solidFill>
+                <a:latin typeface="Calibri"/>
+                <a:ea typeface="Calibri"/>
+                <a:cs typeface="Calibri"/>
+                <a:sym typeface="Calibri"/>
+              </a:rPr>
+              <a:t>PostgreSQL was the database of choice</a:t>
+            </a:r>
+          </a:p>
+          <a:p>
+            <a:pPr marL="260350" lvl="0" indent="-171450">
+              <a:buClr>
+                <a:schemeClr val="tx1">
+                  <a:lumMod val="75000"/>
+                  <a:lumOff val="25000"/>
+                </a:schemeClr>
+              </a:buClr>
+              <a:buSzPct val="100000"/>
+              <a:buFont typeface="Arial" panose="020B0604020202020204" pitchFamily="34" charset="0"/>
+              <a:buChar char="•"/>
+            </a:pPr>
+            <a:endParaRPr lang="en-US" sz="1200" dirty="0">
+              <a:solidFill>
+                <a:schemeClr val="tx1">
+                  <a:lumMod val="65000"/>
+                  <a:lumOff val="35000"/>
+                </a:schemeClr>
+              </a:solidFill>
+              <a:latin typeface="Calibri"/>
+              <a:ea typeface="Calibri"/>
+              <a:cs typeface="Calibri"/>
+              <a:sym typeface="Calibri"/>
+            </a:endParaRPr>
+          </a:p>
+          <a:p>
+            <a:pPr marL="260350" indent="-171450">
+              <a:buClr>
+                <a:schemeClr val="tx1">
+                  <a:lumMod val="75000"/>
+                  <a:lumOff val="25000"/>
+                </a:schemeClr>
+              </a:buClr>
+              <a:buSzPct val="100000"/>
+              <a:buFont typeface="Arial" panose="020B0604020202020204" pitchFamily="34" charset="0"/>
+              <a:buChar char="•"/>
+            </a:pPr>
+            <a:r>
+              <a:rPr lang="en-US" sz="1200" dirty="0">
+                <a:solidFill>
+                  <a:schemeClr val="tx1">
+                    <a:lumMod val="65000"/>
+                    <a:lumOff val="35000"/>
+                  </a:schemeClr>
+                </a:solidFill>
+                <a:latin typeface="Calibri"/>
+                <a:cs typeface="Calibri"/>
+                <a:sym typeface="Calibri"/>
+              </a:rPr>
+              <a:t>Database was designed with State and County as the composite key </a:t>
+            </a:r>
+          </a:p>
+          <a:p>
+            <a:pPr marL="88900">
+              <a:buClr>
+                <a:schemeClr val="tx1">
+                  <a:lumMod val="75000"/>
+                  <a:lumOff val="25000"/>
+                </a:schemeClr>
+              </a:buClr>
+              <a:buSzPct val="100000"/>
+            </a:pPr>
+            <a:endParaRPr lang="en-US" sz="1200" dirty="0">
+              <a:solidFill>
+                <a:schemeClr val="tx1">
+                  <a:lumMod val="65000"/>
+                  <a:lumOff val="35000"/>
+                </a:schemeClr>
+              </a:solidFill>
+              <a:latin typeface="Calibri"/>
+              <a:cs typeface="Calibri"/>
+              <a:sym typeface="Calibri"/>
+            </a:endParaRPr>
+          </a:p>
+          <a:p>
+            <a:pPr marL="260350" indent="-171450">
+              <a:buClr>
+                <a:schemeClr val="tx1">
+                  <a:lumMod val="75000"/>
+                  <a:lumOff val="25000"/>
+                </a:schemeClr>
+              </a:buClr>
+              <a:buSzPct val="100000"/>
+              <a:buFont typeface="Arial" panose="020B0604020202020204" pitchFamily="34" charset="0"/>
+              <a:buChar char="•"/>
+            </a:pPr>
+            <a:r>
+              <a:rPr lang="en-US" sz="1200" dirty="0">
+                <a:solidFill>
+                  <a:schemeClr val="tx1">
+                    <a:lumMod val="65000"/>
+                    <a:lumOff val="35000"/>
+                  </a:schemeClr>
+                </a:solidFill>
+                <a:latin typeface="Calibri"/>
+                <a:cs typeface="Calibri"/>
+                <a:sym typeface="Calibri"/>
+              </a:rPr>
+              <a:t>Data was loaded using </a:t>
+            </a:r>
+            <a:r>
+              <a:rPr lang="en-US" sz="1200" dirty="0" err="1">
+                <a:solidFill>
+                  <a:schemeClr val="tx1">
+                    <a:lumMod val="65000"/>
+                    <a:lumOff val="35000"/>
+                  </a:schemeClr>
+                </a:solidFill>
+                <a:latin typeface="Calibri"/>
+                <a:cs typeface="Calibri"/>
+                <a:sym typeface="Calibri"/>
+              </a:rPr>
+              <a:t>sqlalchemy</a:t>
+            </a:r>
+            <a:r>
+              <a:rPr lang="en-US" sz="1200" dirty="0">
+                <a:solidFill>
+                  <a:schemeClr val="tx1">
+                    <a:lumMod val="65000"/>
+                    <a:lumOff val="35000"/>
+                  </a:schemeClr>
+                </a:solidFill>
+                <a:latin typeface="Calibri"/>
+                <a:cs typeface="Calibri"/>
+                <a:sym typeface="Calibri"/>
+              </a:rPr>
+              <a:t> package</a:t>
+            </a:r>
+          </a:p>
+          <a:p>
+            <a:pPr marL="260350" indent="-171450">
+              <a:buClr>
+                <a:schemeClr val="tx1">
+                  <a:lumMod val="75000"/>
+                  <a:lumOff val="25000"/>
+                </a:schemeClr>
+              </a:buClr>
+              <a:buSzPct val="100000"/>
+              <a:buFont typeface="Arial" panose="020B0604020202020204" pitchFamily="34" charset="0"/>
+              <a:buChar char="•"/>
+            </a:pPr>
+            <a:endParaRPr lang="en-US" sz="1200" dirty="0">
+              <a:solidFill>
+                <a:schemeClr val="tx1">
+                  <a:lumMod val="65000"/>
+                  <a:lumOff val="35000"/>
+                </a:schemeClr>
+              </a:solidFill>
+              <a:latin typeface="Calibri"/>
+              <a:cs typeface="Calibri"/>
+              <a:sym typeface="Calibri"/>
+            </a:endParaRPr>
+          </a:p>
+          <a:p>
+            <a:pPr marL="260350" indent="-171450">
+              <a:buClr>
+                <a:schemeClr val="tx1">
+                  <a:lumMod val="75000"/>
+                  <a:lumOff val="25000"/>
+                </a:schemeClr>
+              </a:buClr>
+              <a:buSzPct val="100000"/>
+              <a:buFont typeface="Arial" panose="020B0604020202020204" pitchFamily="34" charset="0"/>
+              <a:buChar char="•"/>
+            </a:pPr>
+            <a:r>
+              <a:rPr lang="en-US" sz="1200" dirty="0">
+                <a:solidFill>
+                  <a:schemeClr val="tx1">
+                    <a:lumMod val="65000"/>
+                    <a:lumOff val="35000"/>
+                  </a:schemeClr>
+                </a:solidFill>
+                <a:latin typeface="Calibri"/>
+                <a:cs typeface="Calibri"/>
+                <a:sym typeface="Calibri"/>
+              </a:rPr>
+              <a:t>~400K records were loaded into the DB </a:t>
+            </a:r>
+          </a:p>
+          <a:p>
+            <a:pPr marL="88900">
+              <a:buClr>
+                <a:schemeClr val="tx1">
+                  <a:lumMod val="75000"/>
+                  <a:lumOff val="25000"/>
+                </a:schemeClr>
+              </a:buClr>
+              <a:buSzPct val="100000"/>
+            </a:pPr>
+            <a:endParaRPr lang="en-US" sz="1200" dirty="0">
+              <a:solidFill>
+                <a:schemeClr val="tx1">
+                  <a:lumMod val="65000"/>
+                  <a:lumOff val="35000"/>
+                </a:schemeClr>
+              </a:solidFill>
+              <a:latin typeface="Calibri" panose="020F0502020204030204" pitchFamily="34" charset="0"/>
+              <a:cs typeface="Calibri" panose="020F0502020204030204" pitchFamily="34" charset="0"/>
+              <a:sym typeface="Calibri"/>
+            </a:endParaRPr>
+          </a:p>
+          <a:p>
+            <a:pPr marL="260350" marR="0" lvl="0" indent="-171450" algn="l" rtl="0">
+              <a:lnSpc>
+                <a:spcPct val="100000"/>
+              </a:lnSpc>
+              <a:spcBef>
+                <a:spcPts val="0"/>
+              </a:spcBef>
+              <a:spcAft>
+                <a:spcPts val="0"/>
+              </a:spcAft>
+              <a:buClr>
+                <a:schemeClr val="dk1"/>
+              </a:buClr>
+              <a:buSzPts val="1400"/>
+              <a:buFont typeface="Arial" panose="020B0604020202020204" pitchFamily="34" charset="0"/>
+              <a:buChar char="•"/>
+            </a:pPr>
+            <a:endParaRPr lang="en-US" sz="1200" dirty="0">
+              <a:solidFill>
+                <a:schemeClr val="tx1">
+                  <a:lumMod val="65000"/>
+                  <a:lumOff val="35000"/>
+                </a:schemeClr>
               </a:solidFill>
               <a:latin typeface="Calibri"/>
               <a:ea typeface="Calibri"/>
@@ -12814,10 +14494,10 @@
       </p:pic>
       <p:sp>
         <p:nvSpPr>
-          <p:cNvPr id="25" name="Google Shape;113;gfb9413f75f_2_28">
+          <p:cNvPr id="27" name="Google Shape;113;gfb9413f75f_2_28">
             <a:extLst>
               <a:ext uri="{FF2B5EF4-FFF2-40B4-BE49-F238E27FC236}">
-                <a16:creationId xmlns:a16="http://schemas.microsoft.com/office/drawing/2014/main" id="{513B4EF9-F76B-724C-BD4B-EAC4A3910F47}"/>
+                <a16:creationId xmlns:a16="http://schemas.microsoft.com/office/drawing/2014/main" id="{86A6119A-B7B9-CF43-9342-5DF4654CE5B1}"/>
               </a:ext>
             </a:extLst>
           </p:cNvPr>
@@ -12826,8 +14506,8 @@
         </p:nvSpPr>
         <p:spPr>
           <a:xfrm>
-            <a:off x="7746698" y="1023363"/>
-            <a:ext cx="4331002" cy="307736"/>
+            <a:off x="7977732" y="939921"/>
+            <a:ext cx="3804272" cy="5816937"/>
           </a:xfrm>
           <a:prstGeom prst="rect">
             <a:avLst/>
@@ -12843,6 +14523,762 @@
           </a:bodyPr>
           <a:lstStyle/>
           <a:p>
+            <a:pPr marL="88900" lvl="0">
+              <a:buClr>
+                <a:schemeClr val="tx1">
+                  <a:lumMod val="75000"/>
+                  <a:lumOff val="25000"/>
+                </a:schemeClr>
+              </a:buClr>
+              <a:buSzPct val="100000"/>
+            </a:pPr>
+            <a:endParaRPr lang="en-US" sz="1600" b="1" dirty="0">
+              <a:solidFill>
+                <a:schemeClr val="tx1">
+                  <a:lumMod val="65000"/>
+                  <a:lumOff val="35000"/>
+                </a:schemeClr>
+              </a:solidFill>
+              <a:latin typeface="Calibri"/>
+              <a:ea typeface="Calibri"/>
+              <a:cs typeface="Calibri"/>
+              <a:sym typeface="Calibri"/>
+            </a:endParaRPr>
+          </a:p>
+          <a:p>
+            <a:pPr marL="88900" lvl="0">
+              <a:buClr>
+                <a:schemeClr val="tx1">
+                  <a:lumMod val="75000"/>
+                  <a:lumOff val="25000"/>
+                </a:schemeClr>
+              </a:buClr>
+              <a:buSzPct val="100000"/>
+            </a:pPr>
+            <a:r>
+              <a:rPr lang="en-US" sz="2000" b="1" dirty="0">
+                <a:solidFill>
+                  <a:schemeClr val="tx1">
+                    <a:lumMod val="65000"/>
+                    <a:lumOff val="35000"/>
+                  </a:schemeClr>
+                </a:solidFill>
+                <a:latin typeface="Calibri"/>
+                <a:ea typeface="Calibri"/>
+                <a:cs typeface="Calibri"/>
+                <a:sym typeface="Calibri"/>
+              </a:rPr>
+              <a:t>STATE_COUNTY_MASTER</a:t>
+            </a:r>
+          </a:p>
+          <a:p>
+            <a:pPr marL="88900" lvl="0">
+              <a:buClr>
+                <a:schemeClr val="tx1">
+                  <a:lumMod val="75000"/>
+                  <a:lumOff val="25000"/>
+                </a:schemeClr>
+              </a:buClr>
+              <a:buSzPct val="100000"/>
+            </a:pPr>
+            <a:r>
+              <a:rPr lang="en-US" sz="1200" dirty="0">
+                <a:solidFill>
+                  <a:schemeClr val="tx1">
+                    <a:lumMod val="65000"/>
+                    <a:lumOff val="35000"/>
+                  </a:schemeClr>
+                </a:solidFill>
+                <a:latin typeface="Calibri"/>
+                <a:ea typeface="Calibri"/>
+                <a:cs typeface="Calibri"/>
+                <a:sym typeface="Calibri"/>
+              </a:rPr>
+              <a:t>Master table with all the counties by state in the US</a:t>
+            </a:r>
+          </a:p>
+          <a:p>
+            <a:pPr marL="88900">
+              <a:buClr>
+                <a:schemeClr val="tx1">
+                  <a:lumMod val="75000"/>
+                  <a:lumOff val="25000"/>
+                </a:schemeClr>
+              </a:buClr>
+              <a:buSzPct val="100000"/>
+            </a:pPr>
+            <a:r>
+              <a:rPr lang="en-US" sz="1200" dirty="0">
+                <a:solidFill>
+                  <a:srgbClr val="0563C1"/>
+                </a:solidFill>
+                <a:hlinkClick r:id="rId4">
+                  <a:extLst>
+                    <a:ext uri="{A12FA001-AC4F-418D-AE19-62706E023703}">
+                      <ahyp:hlinkClr xmlns:ahyp="http://schemas.microsoft.com/office/drawing/2018/hyperlinkcolor" val="tx"/>
+                    </a:ext>
+                  </a:extLst>
+                </a:hlinkClick>
+              </a:rPr>
+              <a:t>https</a:t>
+            </a:r>
+            <a:r>
+              <a:rPr lang="en-US" sz="1200" dirty="0">
+                <a:solidFill>
+                  <a:schemeClr val="accent1">
+                    <a:lumMod val="75000"/>
+                  </a:schemeClr>
+                </a:solidFill>
+                <a:hlinkClick r:id="rId4">
+                  <a:extLst>
+                    <a:ext uri="{A12FA001-AC4F-418D-AE19-62706E023703}">
+                      <ahyp:hlinkClr xmlns:ahyp="http://schemas.microsoft.com/office/drawing/2018/hyperlinkcolor" val="tx"/>
+                    </a:ext>
+                  </a:extLst>
+                </a:hlinkClick>
+              </a:rPr>
+              <a:t>://simplemaps.com/data/us-counties</a:t>
+            </a:r>
+            <a:endParaRPr lang="en-US" sz="1200" dirty="0">
+              <a:solidFill>
+                <a:schemeClr val="accent1">
+                  <a:lumMod val="75000"/>
+                </a:schemeClr>
+              </a:solidFill>
+            </a:endParaRPr>
+          </a:p>
+          <a:p>
+            <a:pPr marL="88900" lvl="0">
+              <a:buClr>
+                <a:schemeClr val="tx1">
+                  <a:lumMod val="75000"/>
+                  <a:lumOff val="25000"/>
+                </a:schemeClr>
+              </a:buClr>
+              <a:buSzPct val="100000"/>
+            </a:pPr>
+            <a:endParaRPr lang="en-US" sz="1600" b="1" dirty="0">
+              <a:solidFill>
+                <a:schemeClr val="tx1">
+                  <a:lumMod val="65000"/>
+                  <a:lumOff val="35000"/>
+                </a:schemeClr>
+              </a:solidFill>
+              <a:latin typeface="Calibri"/>
+              <a:ea typeface="Calibri"/>
+              <a:cs typeface="Calibri"/>
+              <a:sym typeface="Calibri"/>
+            </a:endParaRPr>
+          </a:p>
+          <a:p>
+            <a:pPr marL="88900" lvl="0">
+              <a:buClr>
+                <a:schemeClr val="tx1">
+                  <a:lumMod val="75000"/>
+                  <a:lumOff val="25000"/>
+                </a:schemeClr>
+              </a:buClr>
+              <a:buSzPct val="100000"/>
+            </a:pPr>
+            <a:r>
+              <a:rPr lang="en-US" sz="1600" b="1" dirty="0">
+                <a:solidFill>
+                  <a:schemeClr val="tx1">
+                    <a:lumMod val="65000"/>
+                    <a:lumOff val="35000"/>
+                  </a:schemeClr>
+                </a:solidFill>
+                <a:latin typeface="Calibri"/>
+                <a:ea typeface="Calibri"/>
+                <a:cs typeface="Calibri"/>
+                <a:sym typeface="Calibri"/>
+              </a:rPr>
+              <a:t>COUNTY_ZILLOW_RENTAL_PRICES</a:t>
+            </a:r>
+            <a:r>
+              <a:rPr lang="en-US" sz="1600" dirty="0">
+                <a:solidFill>
+                  <a:schemeClr val="tx1">
+                    <a:lumMod val="65000"/>
+                    <a:lumOff val="35000"/>
+                  </a:schemeClr>
+                </a:solidFill>
+                <a:latin typeface="Calibri"/>
+                <a:ea typeface="Calibri"/>
+                <a:cs typeface="Calibri"/>
+                <a:sym typeface="Calibri"/>
+              </a:rPr>
+              <a:t>      </a:t>
+            </a:r>
+          </a:p>
+          <a:p>
+            <a:pPr marL="88900" lvl="0">
+              <a:buClr>
+                <a:schemeClr val="tx1">
+                  <a:lumMod val="75000"/>
+                  <a:lumOff val="25000"/>
+                </a:schemeClr>
+              </a:buClr>
+              <a:buSzPct val="100000"/>
+            </a:pPr>
+            <a:r>
+              <a:rPr lang="en-US" sz="1200" dirty="0">
+                <a:solidFill>
+                  <a:schemeClr val="tx1">
+                    <a:lumMod val="65000"/>
+                    <a:lumOff val="35000"/>
+                  </a:schemeClr>
+                </a:solidFill>
+                <a:latin typeface="Calibri"/>
+                <a:ea typeface="Calibri"/>
+                <a:cs typeface="Calibri"/>
+                <a:sym typeface="Calibri"/>
+              </a:rPr>
+              <a:t>Rental data from Zillow with a reference back to the State-County Master table, the rent is captured by month starting from 2010 November</a:t>
+            </a:r>
+          </a:p>
+          <a:p>
+            <a:pPr marL="88900">
+              <a:buClr>
+                <a:schemeClr val="tx1">
+                  <a:lumMod val="75000"/>
+                  <a:lumOff val="25000"/>
+                </a:schemeClr>
+              </a:buClr>
+              <a:buSzPct val="100000"/>
+            </a:pPr>
+            <a:r>
+              <a:rPr lang="en-US" sz="1200" dirty="0">
+                <a:solidFill>
+                  <a:schemeClr val="accent1">
+                    <a:lumMod val="75000"/>
+                  </a:schemeClr>
+                </a:solidFill>
+                <a:hlinkClick r:id="rId5">
+                  <a:extLst>
+                    <a:ext uri="{A12FA001-AC4F-418D-AE19-62706E023703}">
+                      <ahyp:hlinkClr xmlns:ahyp="http://schemas.microsoft.com/office/drawing/2018/hyperlinkcolor" val="tx"/>
+                    </a:ext>
+                  </a:extLst>
+                </a:hlinkClick>
+              </a:rPr>
+              <a:t>https://www.kaggle.com/zillow/rent-index</a:t>
+            </a:r>
+            <a:endParaRPr lang="en-US" sz="1200" dirty="0">
+              <a:solidFill>
+                <a:schemeClr val="accent1">
+                  <a:lumMod val="75000"/>
+                </a:schemeClr>
+              </a:solidFill>
+            </a:endParaRPr>
+          </a:p>
+          <a:p>
+            <a:pPr marL="88900" lvl="0">
+              <a:buClr>
+                <a:schemeClr val="tx1">
+                  <a:lumMod val="75000"/>
+                  <a:lumOff val="25000"/>
+                </a:schemeClr>
+              </a:buClr>
+              <a:buSzPct val="100000"/>
+            </a:pPr>
+            <a:endParaRPr lang="en-US" sz="1200" dirty="0">
+              <a:solidFill>
+                <a:schemeClr val="accent1">
+                  <a:lumMod val="75000"/>
+                </a:schemeClr>
+              </a:solidFill>
+              <a:latin typeface="Calibri"/>
+              <a:ea typeface="Calibri"/>
+              <a:cs typeface="Calibri"/>
+              <a:sym typeface="Calibri"/>
+            </a:endParaRPr>
+          </a:p>
+          <a:p>
+            <a:pPr marL="88900">
+              <a:buClr>
+                <a:schemeClr val="tx1">
+                  <a:lumMod val="75000"/>
+                  <a:lumOff val="25000"/>
+                </a:schemeClr>
+              </a:buClr>
+              <a:buSzPct val="100000"/>
+            </a:pPr>
+            <a:endParaRPr lang="en-US" sz="1200" dirty="0">
+              <a:solidFill>
+                <a:schemeClr val="accent1">
+                  <a:lumMod val="75000"/>
+                </a:schemeClr>
+              </a:solidFill>
+            </a:endParaRPr>
+          </a:p>
+          <a:p>
+            <a:pPr marL="88900" lvl="0">
+              <a:buClr>
+                <a:schemeClr val="tx1">
+                  <a:lumMod val="75000"/>
+                  <a:lumOff val="25000"/>
+                </a:schemeClr>
+              </a:buClr>
+              <a:buSzPct val="100000"/>
+            </a:pPr>
+            <a:r>
+              <a:rPr lang="en-US" sz="1600" b="1" dirty="0">
+                <a:solidFill>
+                  <a:schemeClr val="tx1">
+                    <a:lumMod val="65000"/>
+                    <a:lumOff val="35000"/>
+                  </a:schemeClr>
+                </a:solidFill>
+                <a:latin typeface="Calibri"/>
+                <a:ea typeface="Calibri"/>
+                <a:cs typeface="Calibri"/>
+                <a:sym typeface="Calibri"/>
+              </a:rPr>
+              <a:t>COUNTY_DEMOGRAPHICS</a:t>
+            </a:r>
+            <a:r>
+              <a:rPr lang="en-US" sz="1600" dirty="0">
+                <a:solidFill>
+                  <a:schemeClr val="tx1">
+                    <a:lumMod val="65000"/>
+                    <a:lumOff val="35000"/>
+                  </a:schemeClr>
+                </a:solidFill>
+                <a:latin typeface="Calibri"/>
+                <a:ea typeface="Calibri"/>
+                <a:cs typeface="Calibri"/>
+                <a:sym typeface="Calibri"/>
+              </a:rPr>
+              <a:t>      </a:t>
+            </a:r>
+          </a:p>
+          <a:p>
+            <a:pPr marL="88900" lvl="0">
+              <a:buClr>
+                <a:schemeClr val="tx1">
+                  <a:lumMod val="75000"/>
+                  <a:lumOff val="25000"/>
+                </a:schemeClr>
+              </a:buClr>
+              <a:buSzPct val="100000"/>
+            </a:pPr>
+            <a:r>
+              <a:rPr lang="en-US" sz="1200" dirty="0">
+                <a:solidFill>
+                  <a:schemeClr val="tx1">
+                    <a:lumMod val="65000"/>
+                    <a:lumOff val="35000"/>
+                  </a:schemeClr>
+                </a:solidFill>
+                <a:latin typeface="Calibri"/>
+                <a:ea typeface="Calibri"/>
+                <a:cs typeface="Calibri"/>
+                <a:sym typeface="Calibri"/>
+              </a:rPr>
+              <a:t>Demographics by county and also includes information on income and poverty rate</a:t>
+            </a:r>
+          </a:p>
+          <a:p>
+            <a:pPr marL="88900">
+              <a:buClr>
+                <a:schemeClr val="tx1">
+                  <a:lumMod val="75000"/>
+                  <a:lumOff val="25000"/>
+                </a:schemeClr>
+              </a:buClr>
+              <a:buSzPct val="100000"/>
+            </a:pPr>
+            <a:r>
+              <a:rPr lang="en-US" sz="1200" dirty="0">
+                <a:solidFill>
+                  <a:schemeClr val="accent1">
+                    <a:lumMod val="75000"/>
+                  </a:schemeClr>
+                </a:solidFill>
+                <a:hlinkClick r:id="rId5">
+                  <a:extLst>
+                    <a:ext uri="{A12FA001-AC4F-418D-AE19-62706E023703}">
+                      <ahyp:hlinkClr xmlns:ahyp="http://schemas.microsoft.com/office/drawing/2018/hyperlinkcolor" val="tx"/>
+                    </a:ext>
+                  </a:extLst>
+                </a:hlinkClick>
+              </a:rPr>
+              <a:t>https://www.kaggle.com/zillow/rent-index</a:t>
+            </a:r>
+            <a:endParaRPr lang="en-US" sz="1200" dirty="0">
+              <a:solidFill>
+                <a:schemeClr val="accent1">
+                  <a:lumMod val="75000"/>
+                </a:schemeClr>
+              </a:solidFill>
+            </a:endParaRPr>
+          </a:p>
+          <a:p>
+            <a:pPr marL="88900">
+              <a:buClr>
+                <a:schemeClr val="tx1">
+                  <a:lumMod val="75000"/>
+                  <a:lumOff val="25000"/>
+                </a:schemeClr>
+              </a:buClr>
+              <a:buSzPct val="100000"/>
+            </a:pPr>
+            <a:r>
+              <a:rPr lang="en-US" sz="1200" dirty="0">
+                <a:solidFill>
+                  <a:schemeClr val="tx1">
+                    <a:lumMod val="65000"/>
+                    <a:lumOff val="35000"/>
+                  </a:schemeClr>
+                </a:solidFill>
+              </a:rPr>
+              <a:t>      </a:t>
+            </a:r>
+            <a:r>
+              <a:rPr lang="en-US" sz="1200" dirty="0">
+                <a:solidFill>
+                  <a:srgbClr val="0563C1"/>
+                </a:solidFill>
+                <a:hlinkClick r:id="rId6">
+                  <a:extLst>
+                    <a:ext uri="{A12FA001-AC4F-418D-AE19-62706E023703}">
+                      <ahyp:hlinkClr xmlns:ahyp="http://schemas.microsoft.com/office/drawing/2018/hyperlinkcolor" val="tx"/>
+                    </a:ext>
+                  </a:extLst>
+                </a:hlinkClick>
+              </a:rPr>
+              <a:t>https</a:t>
+            </a:r>
+            <a:r>
+              <a:rPr lang="en-US" sz="1200" dirty="0">
+                <a:solidFill>
+                  <a:schemeClr val="accent1">
+                    <a:lumMod val="75000"/>
+                  </a:schemeClr>
+                </a:solidFill>
+                <a:hlinkClick r:id="rId6">
+                  <a:extLst>
+                    <a:ext uri="{A12FA001-AC4F-418D-AE19-62706E023703}">
+                      <ahyp:hlinkClr xmlns:ahyp="http://schemas.microsoft.com/office/drawing/2018/hyperlinkcolor" val="tx"/>
+                    </a:ext>
+                  </a:extLst>
+                </a:hlinkClick>
+              </a:rPr>
+              <a:t>://data-downloads.evictionlab.org/</a:t>
+            </a:r>
+            <a:endParaRPr lang="en-US" sz="1200" dirty="0">
+              <a:solidFill>
+                <a:schemeClr val="accent1">
+                  <a:lumMod val="75000"/>
+                </a:schemeClr>
+              </a:solidFill>
+            </a:endParaRPr>
+          </a:p>
+          <a:p>
+            <a:pPr marL="88900">
+              <a:buClr>
+                <a:schemeClr val="tx1">
+                  <a:lumMod val="75000"/>
+                  <a:lumOff val="25000"/>
+                </a:schemeClr>
+              </a:buClr>
+              <a:buSzPct val="100000"/>
+            </a:pPr>
+            <a:endParaRPr lang="en-US" sz="1200" b="1" dirty="0">
+              <a:solidFill>
+                <a:schemeClr val="accent1">
+                  <a:lumMod val="75000"/>
+                </a:schemeClr>
+              </a:solidFill>
+              <a:latin typeface="Calibri"/>
+              <a:ea typeface="Calibri"/>
+              <a:cs typeface="Calibri"/>
+              <a:sym typeface="Calibri"/>
+            </a:endParaRPr>
+          </a:p>
+          <a:p>
+            <a:pPr marL="88900">
+              <a:buClr>
+                <a:schemeClr val="tx1">
+                  <a:lumMod val="75000"/>
+                  <a:lumOff val="25000"/>
+                </a:schemeClr>
+              </a:buClr>
+              <a:buSzPct val="100000"/>
+            </a:pPr>
+            <a:endParaRPr lang="en-US" sz="1200" b="1" dirty="0">
+              <a:solidFill>
+                <a:schemeClr val="accent1">
+                  <a:lumMod val="75000"/>
+                </a:schemeClr>
+              </a:solidFill>
+              <a:latin typeface="Calibri"/>
+              <a:ea typeface="Calibri"/>
+              <a:cs typeface="Calibri"/>
+              <a:sym typeface="Calibri"/>
+            </a:endParaRPr>
+          </a:p>
+          <a:p>
+            <a:pPr marL="88900" lvl="0">
+              <a:buClr>
+                <a:schemeClr val="tx1">
+                  <a:lumMod val="75000"/>
+                  <a:lumOff val="25000"/>
+                </a:schemeClr>
+              </a:buClr>
+              <a:buSzPct val="100000"/>
+            </a:pPr>
+            <a:r>
+              <a:rPr lang="en-US" sz="2000" b="1" dirty="0">
+                <a:solidFill>
+                  <a:schemeClr val="tx1">
+                    <a:lumMod val="65000"/>
+                    <a:lumOff val="35000"/>
+                  </a:schemeClr>
+                </a:solidFill>
+                <a:latin typeface="Calibri"/>
+                <a:ea typeface="Calibri"/>
+                <a:cs typeface="Calibri"/>
+                <a:sym typeface="Calibri"/>
+              </a:rPr>
+              <a:t>COUNTY_DEMOGRAPHICS</a:t>
+            </a:r>
+            <a:r>
+              <a:rPr lang="en-US" sz="2000" dirty="0">
+                <a:solidFill>
+                  <a:schemeClr val="tx1">
+                    <a:lumMod val="65000"/>
+                    <a:lumOff val="35000"/>
+                  </a:schemeClr>
+                </a:solidFill>
+                <a:latin typeface="Calibri"/>
+                <a:ea typeface="Calibri"/>
+                <a:cs typeface="Calibri"/>
+                <a:sym typeface="Calibri"/>
+              </a:rPr>
+              <a:t>      </a:t>
+            </a:r>
+          </a:p>
+          <a:p>
+            <a:pPr marL="88900" lvl="0">
+              <a:buClr>
+                <a:schemeClr val="tx1">
+                  <a:lumMod val="75000"/>
+                  <a:lumOff val="25000"/>
+                </a:schemeClr>
+              </a:buClr>
+              <a:buSzPct val="100000"/>
+            </a:pPr>
+            <a:r>
+              <a:rPr lang="en-US" sz="1200" dirty="0">
+                <a:solidFill>
+                  <a:schemeClr val="tx1">
+                    <a:lumMod val="65000"/>
+                    <a:lumOff val="35000"/>
+                  </a:schemeClr>
+                </a:solidFill>
+                <a:latin typeface="Calibri"/>
+                <a:ea typeface="Calibri"/>
+                <a:cs typeface="Calibri"/>
+                <a:sym typeface="Calibri"/>
+              </a:rPr>
+              <a:t>Eviction rate data by county in the US</a:t>
+            </a:r>
+          </a:p>
+          <a:p>
+            <a:pPr marL="88900">
+              <a:buClr>
+                <a:schemeClr val="tx1">
+                  <a:lumMod val="75000"/>
+                  <a:lumOff val="25000"/>
+                </a:schemeClr>
+              </a:buClr>
+              <a:buSzPct val="100000"/>
+            </a:pPr>
+            <a:r>
+              <a:rPr lang="en-US" sz="1200" dirty="0">
+                <a:solidFill>
+                  <a:schemeClr val="accent1">
+                    <a:lumMod val="75000"/>
+                  </a:schemeClr>
+                </a:solidFill>
+                <a:hlinkClick r:id="rId5">
+                  <a:extLst>
+                    <a:ext uri="{A12FA001-AC4F-418D-AE19-62706E023703}">
+                      <ahyp:hlinkClr xmlns:ahyp="http://schemas.microsoft.com/office/drawing/2018/hyperlinkcolor" val="tx"/>
+                    </a:ext>
+                  </a:extLst>
+                </a:hlinkClick>
+              </a:rPr>
+              <a:t>https://www.kaggle.com/zillow/rent-index</a:t>
+            </a:r>
+            <a:endParaRPr lang="en-US" sz="1200" dirty="0">
+              <a:solidFill>
+                <a:schemeClr val="accent1">
+                  <a:lumMod val="75000"/>
+                </a:schemeClr>
+              </a:solidFill>
+            </a:endParaRPr>
+          </a:p>
+          <a:p>
+            <a:pPr marL="88900">
+              <a:buClr>
+                <a:schemeClr val="tx1">
+                  <a:lumMod val="75000"/>
+                  <a:lumOff val="25000"/>
+                </a:schemeClr>
+              </a:buClr>
+              <a:buSzPct val="100000"/>
+            </a:pPr>
+            <a:r>
+              <a:rPr lang="en-US" sz="1200" dirty="0">
+                <a:solidFill>
+                  <a:schemeClr val="tx1">
+                    <a:lumMod val="65000"/>
+                    <a:lumOff val="35000"/>
+                  </a:schemeClr>
+                </a:solidFill>
+              </a:rPr>
+              <a:t>      </a:t>
+            </a:r>
+            <a:r>
+              <a:rPr lang="en-US" sz="1200" dirty="0">
+                <a:solidFill>
+                  <a:srgbClr val="0563C1"/>
+                </a:solidFill>
+                <a:hlinkClick r:id="rId6">
+                  <a:extLst>
+                    <a:ext uri="{A12FA001-AC4F-418D-AE19-62706E023703}">
+                      <ahyp:hlinkClr xmlns:ahyp="http://schemas.microsoft.com/office/drawing/2018/hyperlinkcolor" val="tx"/>
+                    </a:ext>
+                  </a:extLst>
+                </a:hlinkClick>
+              </a:rPr>
+              <a:t>https</a:t>
+            </a:r>
+            <a:r>
+              <a:rPr lang="en-US" sz="1200" dirty="0">
+                <a:solidFill>
+                  <a:schemeClr val="accent1">
+                    <a:lumMod val="75000"/>
+                  </a:schemeClr>
+                </a:solidFill>
+                <a:hlinkClick r:id="rId6">
+                  <a:extLst>
+                    <a:ext uri="{A12FA001-AC4F-418D-AE19-62706E023703}">
+                      <ahyp:hlinkClr xmlns:ahyp="http://schemas.microsoft.com/office/drawing/2018/hyperlinkcolor" val="tx"/>
+                    </a:ext>
+                  </a:extLst>
+                </a:hlinkClick>
+              </a:rPr>
+              <a:t>://data-downloads.evictionlab.org/</a:t>
+            </a:r>
+            <a:endParaRPr lang="en-US" sz="1200" b="1" dirty="0">
+              <a:solidFill>
+                <a:schemeClr val="tx1">
+                  <a:lumMod val="65000"/>
+                  <a:lumOff val="35000"/>
+                </a:schemeClr>
+              </a:solidFill>
+              <a:latin typeface="Calibri"/>
+              <a:ea typeface="Calibri"/>
+              <a:cs typeface="Calibri"/>
+              <a:sym typeface="Calibri"/>
+            </a:endParaRPr>
+          </a:p>
+          <a:p>
+            <a:pPr marL="88900">
+              <a:buClr>
+                <a:schemeClr val="tx1">
+                  <a:lumMod val="75000"/>
+                  <a:lumOff val="25000"/>
+                </a:schemeClr>
+              </a:buClr>
+              <a:buSzPct val="100000"/>
+            </a:pPr>
+            <a:endParaRPr lang="en-US" sz="1600" b="1" dirty="0">
+              <a:solidFill>
+                <a:schemeClr val="tx1">
+                  <a:lumMod val="65000"/>
+                  <a:lumOff val="35000"/>
+                </a:schemeClr>
+              </a:solidFill>
+              <a:latin typeface="Calibri"/>
+              <a:ea typeface="Calibri"/>
+              <a:cs typeface="Calibri"/>
+              <a:sym typeface="Calibri"/>
+            </a:endParaRPr>
+          </a:p>
+          <a:p>
+            <a:pPr marL="88900">
+              <a:buClr>
+                <a:schemeClr val="tx1">
+                  <a:lumMod val="75000"/>
+                  <a:lumOff val="25000"/>
+                </a:schemeClr>
+              </a:buClr>
+              <a:buSzPct val="100000"/>
+            </a:pPr>
+            <a:endParaRPr lang="en-US" sz="1200" dirty="0">
+              <a:solidFill>
+                <a:schemeClr val="accent1">
+                  <a:lumMod val="75000"/>
+                </a:schemeClr>
+              </a:solidFill>
+            </a:endParaRPr>
+          </a:p>
+          <a:p>
+            <a:pPr marL="88900">
+              <a:buClr>
+                <a:schemeClr val="tx1">
+                  <a:lumMod val="75000"/>
+                  <a:lumOff val="25000"/>
+                </a:schemeClr>
+              </a:buClr>
+              <a:buSzPct val="100000"/>
+            </a:pPr>
+            <a:endParaRPr lang="en-US" sz="1200" dirty="0">
+              <a:solidFill>
+                <a:schemeClr val="tx1">
+                  <a:lumMod val="65000"/>
+                  <a:lumOff val="35000"/>
+                </a:schemeClr>
+              </a:solidFill>
+            </a:endParaRPr>
+          </a:p>
+          <a:p>
+            <a:pPr marL="88900" marR="0" lvl="0" algn="l" rtl="0">
+              <a:lnSpc>
+                <a:spcPct val="100000"/>
+              </a:lnSpc>
+              <a:spcBef>
+                <a:spcPts val="0"/>
+              </a:spcBef>
+              <a:spcAft>
+                <a:spcPts val="0"/>
+              </a:spcAft>
+              <a:buClr>
+                <a:schemeClr val="tx1">
+                  <a:lumMod val="75000"/>
+                  <a:lumOff val="25000"/>
+                </a:schemeClr>
+              </a:buClr>
+              <a:buSzPct val="100000"/>
+            </a:pPr>
+            <a:endParaRPr lang="en-US" sz="1200" dirty="0">
+              <a:solidFill>
+                <a:schemeClr val="tx1">
+                  <a:lumMod val="65000"/>
+                  <a:lumOff val="35000"/>
+                </a:schemeClr>
+              </a:solidFill>
+              <a:latin typeface="Calibri" panose="020F0502020204030204" pitchFamily="34" charset="0"/>
+              <a:cs typeface="Calibri" panose="020F0502020204030204" pitchFamily="34" charset="0"/>
+              <a:sym typeface="Calibri"/>
+            </a:endParaRPr>
+          </a:p>
+          <a:p>
             <a:pPr marL="431800" marR="0" lvl="0" indent="-342900" algn="l" rtl="0">
               <a:lnSpc>
                 <a:spcPct val="100000"/>
@@ -12860,18 +15296,18 @@
               <a:buFont typeface="+mj-lt"/>
               <a:buAutoNum type="arabicPeriod"/>
             </a:pPr>
-            <a:r>
-              <a:rPr lang="en-US" sz="1400" dirty="0">
-                <a:solidFill>
-                  <a:srgbClr val="7F7F7F"/>
-                </a:solidFill>
-                <a:latin typeface="Calibri"/>
-                <a:ea typeface="Calibri"/>
-                <a:cs typeface="Calibri"/>
-                <a:sym typeface="Calibri"/>
-              </a:rPr>
-              <a:t>Describe each table in 2 sentences</a:t>
-            </a:r>
+            <a:endParaRPr lang="en-US" sz="1200" dirty="0">
+              <a:solidFill>
+                <a:schemeClr val="tx1">
+                  <a:lumMod val="65000"/>
+                  <a:lumOff val="35000"/>
+                </a:schemeClr>
+              </a:solidFill>
+              <a:latin typeface="Calibri"/>
+              <a:ea typeface="Calibri"/>
+              <a:cs typeface="Calibri"/>
+              <a:sym typeface="Calibri"/>
+            </a:endParaRPr>
           </a:p>
         </p:txBody>
       </p:sp>
@@ -13007,8 +15443,8 @@
         </p:nvSpPr>
         <p:spPr>
           <a:xfrm>
-            <a:off x="559837" y="1061463"/>
-            <a:ext cx="5088488" cy="307736"/>
+            <a:off x="559837" y="907714"/>
+            <a:ext cx="7443186" cy="738623"/>
           </a:xfrm>
           <a:prstGeom prst="rect">
             <a:avLst/>
@@ -13035,14 +15471,17 @@
                 <a:spcPts val="0"/>
               </a:spcAft>
               <a:buClr>
-                <a:schemeClr val="dk1"/>
+                <a:schemeClr val="tx1">
+                  <a:lumMod val="65000"/>
+                  <a:lumOff val="35000"/>
+                </a:schemeClr>
               </a:buClr>
               <a:buSzPts val="1400"/>
               <a:buFont typeface="+mj-lt"/>
               <a:buAutoNum type="arabicPeriod"/>
             </a:pPr>
             <a:r>
-              <a:rPr lang="en-US" sz="1400" dirty="0">
+              <a:rPr lang="en-US" dirty="0">
                 <a:solidFill>
                   <a:srgbClr val="7F7F7F"/>
                 </a:solidFill>
@@ -13051,11 +15490,299 @@
                 <a:cs typeface="Calibri"/>
                 <a:sym typeface="Calibri"/>
               </a:rPr>
-              <a:t>List some of the challenges faced through the process</a:t>
+              <a:t>Zillow had the rental data by month across the columns, which had to be stored in the tables as rows  </a:t>
             </a:r>
+          </a:p>
+          <a:p>
+            <a:pPr marL="431800" lvl="2" indent="-342900">
+              <a:buClr>
+                <a:schemeClr val="dk1"/>
+              </a:buClr>
+              <a:buSzPts val="1400"/>
+              <a:buFont typeface="+mj-lt"/>
+              <a:buAutoNum type="arabicPeriod"/>
+            </a:pPr>
+            <a:endParaRPr lang="en-US" dirty="0">
+              <a:solidFill>
+                <a:srgbClr val="7F7F7F"/>
+              </a:solidFill>
+              <a:latin typeface="Calibri"/>
+              <a:ea typeface="Calibri"/>
+              <a:cs typeface="Calibri"/>
+              <a:sym typeface="Calibri"/>
+            </a:endParaRPr>
           </a:p>
         </p:txBody>
       </p:sp>
+      <p:pic>
+        <p:nvPicPr>
+          <p:cNvPr id="2" name="Picture 1">
+            <a:extLst>
+              <a:ext uri="{FF2B5EF4-FFF2-40B4-BE49-F238E27FC236}">
+                <a16:creationId xmlns:a16="http://schemas.microsoft.com/office/drawing/2014/main" id="{AE65BB0F-96BD-DE48-A904-9DDB19890AA4}"/>
+              </a:ext>
+            </a:extLst>
+          </p:cNvPr>
+          <p:cNvPicPr>
+            <a:picLocks noChangeAspect="1"/>
+          </p:cNvPicPr>
+          <p:nvPr/>
+        </p:nvPicPr>
+        <p:blipFill>
+          <a:blip r:embed="rId3"/>
+          <a:stretch>
+            <a:fillRect/>
+          </a:stretch>
+        </p:blipFill>
+        <p:spPr>
+          <a:xfrm>
+            <a:off x="1105687" y="1473666"/>
+            <a:ext cx="5473138" cy="3814244"/>
+          </a:xfrm>
+          <a:prstGeom prst="rect">
+            <a:avLst/>
+          </a:prstGeom>
+        </p:spPr>
+      </p:pic>
+      <p:sp>
+        <p:nvSpPr>
+          <p:cNvPr id="6" name="Google Shape;113;gfb9413f75f_2_28">
+            <a:extLst>
+              <a:ext uri="{FF2B5EF4-FFF2-40B4-BE49-F238E27FC236}">
+                <a16:creationId xmlns:a16="http://schemas.microsoft.com/office/drawing/2014/main" id="{31050402-FBDC-0040-BEF8-E33706AEC486}"/>
+              </a:ext>
+            </a:extLst>
+          </p:cNvPr>
+          <p:cNvSpPr txBox="1"/>
+          <p:nvPr/>
+        </p:nvSpPr>
+        <p:spPr>
+          <a:xfrm>
+            <a:off x="364280" y="5484550"/>
+            <a:ext cx="7443186" cy="523180"/>
+          </a:xfrm>
+          <a:prstGeom prst="rect">
+            <a:avLst/>
+          </a:prstGeom>
+          <a:noFill/>
+          <a:ln>
+            <a:noFill/>
+          </a:ln>
+        </p:spPr>
+        <p:txBody>
+          <a:bodyPr spcFirstLastPara="1" wrap="square" lIns="91425" tIns="45700" rIns="91425" bIns="45700" anchor="t" anchorCtr="0">
+            <a:spAutoFit/>
+          </a:bodyPr>
+          <a:lstStyle/>
+          <a:p>
+            <a:pPr marL="431800" marR="0" lvl="0" indent="-342900" algn="l" rtl="0">
+              <a:lnSpc>
+                <a:spcPct val="100000"/>
+              </a:lnSpc>
+              <a:spcBef>
+                <a:spcPts val="0"/>
+              </a:spcBef>
+              <a:spcAft>
+                <a:spcPts val="0"/>
+              </a:spcAft>
+              <a:buClr>
+                <a:schemeClr val="tx1">
+                  <a:lumMod val="65000"/>
+                  <a:lumOff val="35000"/>
+                </a:schemeClr>
+              </a:buClr>
+              <a:buSzPts val="1400"/>
+              <a:buFont typeface="+mj-lt"/>
+              <a:buAutoNum type="arabicPeriod" startAt="2"/>
+            </a:pPr>
+            <a:r>
+              <a:rPr lang="en-US" dirty="0">
+                <a:solidFill>
+                  <a:srgbClr val="7F7F7F"/>
+                </a:solidFill>
+                <a:latin typeface="Calibri"/>
+                <a:ea typeface="Calibri"/>
+                <a:cs typeface="Calibri"/>
+                <a:sym typeface="Calibri"/>
+              </a:rPr>
+              <a:t>Standardization of the county names across the dataset</a:t>
+            </a:r>
+          </a:p>
+          <a:p>
+            <a:pPr marL="431800" lvl="2" indent="-342900">
+              <a:buClr>
+                <a:schemeClr val="dk1"/>
+              </a:buClr>
+              <a:buSzPts val="1400"/>
+              <a:buFont typeface="+mj-lt"/>
+              <a:buAutoNum type="arabicPeriod"/>
+            </a:pPr>
+            <a:endParaRPr lang="en-US" dirty="0">
+              <a:solidFill>
+                <a:srgbClr val="7F7F7F"/>
+              </a:solidFill>
+              <a:latin typeface="Calibri"/>
+              <a:ea typeface="Calibri"/>
+              <a:cs typeface="Calibri"/>
+              <a:sym typeface="Calibri"/>
+            </a:endParaRPr>
+          </a:p>
+        </p:txBody>
+      </p:sp>
+      <p:pic>
+        <p:nvPicPr>
+          <p:cNvPr id="3" name="Picture 2">
+            <a:extLst>
+              <a:ext uri="{FF2B5EF4-FFF2-40B4-BE49-F238E27FC236}">
+                <a16:creationId xmlns:a16="http://schemas.microsoft.com/office/drawing/2014/main" id="{C5307B17-A627-AE4E-9E4F-0354848D1F16}"/>
+              </a:ext>
+            </a:extLst>
+          </p:cNvPr>
+          <p:cNvPicPr>
+            <a:picLocks noChangeAspect="1"/>
+          </p:cNvPicPr>
+          <p:nvPr/>
+        </p:nvPicPr>
+        <p:blipFill>
+          <a:blip r:embed="rId4"/>
+          <a:stretch>
+            <a:fillRect/>
+          </a:stretch>
+        </p:blipFill>
+        <p:spPr>
+          <a:xfrm>
+            <a:off x="6716390" y="1473666"/>
+            <a:ext cx="5282750" cy="1051659"/>
+          </a:xfrm>
+          <a:prstGeom prst="rect">
+            <a:avLst/>
+          </a:prstGeom>
+        </p:spPr>
+      </p:pic>
+      <p:pic>
+        <p:nvPicPr>
+          <p:cNvPr id="5" name="Picture 4">
+            <a:extLst>
+              <a:ext uri="{FF2B5EF4-FFF2-40B4-BE49-F238E27FC236}">
+                <a16:creationId xmlns:a16="http://schemas.microsoft.com/office/drawing/2014/main" id="{34FECEB7-4171-5742-A1AA-323ABFBF5BB0}"/>
+              </a:ext>
+            </a:extLst>
+          </p:cNvPr>
+          <p:cNvPicPr>
+            <a:picLocks noChangeAspect="1"/>
+          </p:cNvPicPr>
+          <p:nvPr/>
+        </p:nvPicPr>
+        <p:blipFill>
+          <a:blip r:embed="rId5"/>
+          <a:stretch>
+            <a:fillRect/>
+          </a:stretch>
+        </p:blipFill>
+        <p:spPr>
+          <a:xfrm>
+            <a:off x="6660950" y="3361191"/>
+            <a:ext cx="5393629" cy="879396"/>
+          </a:xfrm>
+          <a:prstGeom prst="rect">
+            <a:avLst/>
+          </a:prstGeom>
+        </p:spPr>
+      </p:pic>
+      <p:sp>
+        <p:nvSpPr>
+          <p:cNvPr id="7" name="Merge 6">
+            <a:extLst>
+              <a:ext uri="{FF2B5EF4-FFF2-40B4-BE49-F238E27FC236}">
+                <a16:creationId xmlns:a16="http://schemas.microsoft.com/office/drawing/2014/main" id="{6141771C-D7F5-1A42-8A9B-D27ED534F97B}"/>
+              </a:ext>
+            </a:extLst>
+          </p:cNvPr>
+          <p:cNvSpPr/>
+          <p:nvPr/>
+        </p:nvSpPr>
+        <p:spPr>
+          <a:xfrm>
+            <a:off x="6789218" y="2379065"/>
+            <a:ext cx="4839037" cy="712212"/>
+          </a:xfrm>
+          <a:prstGeom prst="flowChartMerge">
+            <a:avLst/>
+          </a:prstGeom>
+          <a:solidFill>
+            <a:schemeClr val="accent1">
+              <a:lumMod val="20000"/>
+              <a:lumOff val="80000"/>
+            </a:schemeClr>
+          </a:solidFill>
+          <a:ln>
+            <a:noFill/>
+          </a:ln>
+        </p:spPr>
+        <p:style>
+          <a:lnRef idx="2">
+            <a:schemeClr val="accent1">
+              <a:shade val="50000"/>
+            </a:schemeClr>
+          </a:lnRef>
+          <a:fillRef idx="1">
+            <a:schemeClr val="accent1"/>
+          </a:fillRef>
+          <a:effectRef idx="0">
+            <a:schemeClr val="accent1"/>
+          </a:effectRef>
+          <a:fontRef idx="minor">
+            <a:schemeClr val="lt1"/>
+          </a:fontRef>
+        </p:style>
+        <p:txBody>
+          <a:bodyPr rtlCol="0" anchor="ctr"/>
+          <a:lstStyle/>
+          <a:p>
+            <a:pPr algn="ctr"/>
+            <a:r>
+              <a:rPr lang="en-US" dirty="0">
+                <a:solidFill>
+                  <a:schemeClr val="accent1">
+                    <a:lumMod val="75000"/>
+                  </a:schemeClr>
+                </a:solidFill>
+              </a:rPr>
+              <a:t>Transform and Load</a:t>
+            </a:r>
+          </a:p>
+        </p:txBody>
+      </p:sp>
+      <p:pic>
+        <p:nvPicPr>
+          <p:cNvPr id="8" name="Picture 7">
+            <a:extLst>
+              <a:ext uri="{FF2B5EF4-FFF2-40B4-BE49-F238E27FC236}">
+                <a16:creationId xmlns:a16="http://schemas.microsoft.com/office/drawing/2014/main" id="{3333B5A3-1946-FB4B-B115-AAC618A34188}"/>
+              </a:ext>
+            </a:extLst>
+          </p:cNvPr>
+          <p:cNvPicPr>
+            <a:picLocks noChangeAspect="1"/>
+          </p:cNvPicPr>
+          <p:nvPr/>
+        </p:nvPicPr>
+        <p:blipFill>
+          <a:blip r:embed="rId6"/>
+          <a:stretch>
+            <a:fillRect/>
+          </a:stretch>
+        </p:blipFill>
+        <p:spPr>
+          <a:xfrm>
+            <a:off x="1034263" y="5942313"/>
+            <a:ext cx="3390900" cy="647700"/>
+          </a:xfrm>
+          <a:prstGeom prst="rect">
+            <a:avLst/>
+          </a:prstGeom>
+        </p:spPr>
+      </p:pic>
     </p:spTree>
     <p:extLst>
       <p:ext uri="{BB962C8B-B14F-4D97-AF65-F5344CB8AC3E}">

--- a/ETL_Group2.pptx
+++ b/ETL_Group2.pptx
@@ -6,7 +6,7 @@
     <p:sldMasterId id="2147483653" r:id="rId2"/>
   </p:sldMasterIdLst>
   <p:notesMasterIdLst>
-    <p:notesMasterId r:id="rId8"/>
+    <p:notesMasterId r:id="rId10"/>
   </p:notesMasterIdLst>
   <p:sldIdLst>
     <p:sldId id="256" r:id="rId3"/>
@@ -14,6 +14,8 @@
     <p:sldId id="258" r:id="rId5"/>
     <p:sldId id="259" r:id="rId6"/>
     <p:sldId id="260" r:id="rId7"/>
+    <p:sldId id="261" r:id="rId8"/>
+    <p:sldId id="262" r:id="rId9"/>
   </p:sldIdLst>
   <p:sldSz cx="12192000" cy="6858000"/>
   <p:notesSz cx="7010400" cy="9296400"/>
@@ -262,7 +264,7 @@
       </p15:sldGuideLst>
     </p:ext>
     <p:ext uri="http://customooxmlschemas.google.com/">
-      <go:slidesCustomData xmlns:go="http://customooxmlschemas.google.com/" xmlns:ahyp="http://schemas.microsoft.com/office/drawing/2018/hyperlinkcolor" xmlns:p15="http://schemas.microsoft.com/office/powerpoint/2012/main" xmlns:p14="http://schemas.microsoft.com/office/powerpoint/2010/main" xmlns:com="http://schemas.openxmlformats.org/drawingml/2006/compatibility" xmlns:pvml="urn:schemas-microsoft-com:office:powerpoint" xmlns:v="urn:schemas-microsoft-com:vml" xmlns:o="urn:schemas-microsoft-com:office:office" xmlns:dgm="http://schemas.openxmlformats.org/drawingml/2006/diagram" xmlns:c="http://schemas.openxmlformats.org/drawingml/2006/chart" xmlns:mv="urn:schemas-microsoft-com:mac:vml" xmlns:mc="http://schemas.openxmlformats.org/markup-compatibility/2006" xmlns="" r:id="rId14" roundtripDataSignature="AMtx7mjvjJkRmz/bigK8rfaOhcAWgBtoAw=="/>
+      <go:slidesCustomData xmlns="" xmlns:mc="http://schemas.openxmlformats.org/markup-compatibility/2006" xmlns:mv="urn:schemas-microsoft-com:mac:vml" xmlns:c="http://schemas.openxmlformats.org/drawingml/2006/chart" xmlns:dgm="http://schemas.openxmlformats.org/drawingml/2006/diagram" xmlns:o="urn:schemas-microsoft-com:office:office" xmlns:v="urn:schemas-microsoft-com:vml" xmlns:pvml="urn:schemas-microsoft-com:office:powerpoint" xmlns:com="http://schemas.openxmlformats.org/drawingml/2006/compatibility" xmlns:p14="http://schemas.microsoft.com/office/powerpoint/2010/main" xmlns:p15="http://schemas.microsoft.com/office/powerpoint/2012/main" xmlns:ahyp="http://schemas.microsoft.com/office/drawing/2018/hyperlinkcolor" xmlns:go="http://customooxmlschemas.google.com/" r:id="rId14" roundtripDataSignature="AMtx7mjvjJkRmz/bigK8rfaOhcAWgBtoAw=="/>
     </p:ext>
   </p:extLst>
 </p:presentation>
@@ -2042,6 +2044,224 @@
     <p:extLst>
       <p:ext uri="{BB962C8B-B14F-4D97-AF65-F5344CB8AC3E}">
         <p14:creationId xmlns:p14="http://schemas.microsoft.com/office/powerpoint/2010/main" val="989657554"/>
+      </p:ext>
+    </p:extLst>
+  </p:cSld>
+  <p:clrMapOvr>
+    <a:masterClrMapping/>
+  </p:clrMapOvr>
+</p:notes>
+</file>
+
+<file path=ppt/notesSlides/notesSlide6.xml><?xml version="1.0" encoding="utf-8"?>
+<p:notes xmlns:a="http://schemas.openxmlformats.org/drawingml/2006/main" xmlns:r="http://schemas.openxmlformats.org/officeDocument/2006/relationships" xmlns:p="http://schemas.openxmlformats.org/presentationml/2006/main" showMasterSp="0" showMasterPhAnim="0">
+  <p:cSld>
+    <p:spTree>
+      <p:nvGrpSpPr>
+        <p:cNvPr id="1" name="Shape 90"/>
+        <p:cNvGrpSpPr/>
+        <p:nvPr/>
+      </p:nvGrpSpPr>
+      <p:grpSpPr>
+        <a:xfrm>
+          <a:off x="0" y="0"/>
+          <a:ext cx="0" cy="0"/>
+          <a:chOff x="0" y="0"/>
+          <a:chExt cx="0" cy="0"/>
+        </a:xfrm>
+      </p:grpSpPr>
+      <p:sp>
+        <p:nvSpPr>
+          <p:cNvPr id="91" name="Google Shape;91;gfb9413f75f_2_28:notes"/>
+          <p:cNvSpPr txBox="1">
+            <a:spLocks noGrp="1"/>
+          </p:cNvSpPr>
+          <p:nvPr>
+            <p:ph type="body" idx="1"/>
+          </p:nvPr>
+        </p:nvSpPr>
+        <p:spPr>
+          <a:xfrm>
+            <a:off x="701675" y="4473575"/>
+            <a:ext cx="5607050" cy="3660775"/>
+          </a:xfrm>
+          <a:prstGeom prst="rect">
+            <a:avLst/>
+          </a:prstGeom>
+        </p:spPr>
+        <p:txBody>
+          <a:bodyPr spcFirstLastPara="1" wrap="square" lIns="91425" tIns="45700" rIns="91425" bIns="45700" anchor="t" anchorCtr="0">
+            <a:noAutofit/>
+          </a:bodyPr>
+          <a:lstStyle/>
+          <a:p>
+            <a:pPr marL="0" lvl="0" indent="0" algn="l" rtl="0">
+              <a:spcBef>
+                <a:spcPts val="0"/>
+              </a:spcBef>
+              <a:spcAft>
+                <a:spcPts val="0"/>
+              </a:spcAft>
+              <a:buNone/>
+            </a:pPr>
+            <a:endParaRPr/>
+          </a:p>
+        </p:txBody>
+      </p:sp>
+      <p:sp>
+        <p:nvSpPr>
+          <p:cNvPr id="92" name="Google Shape;92;gfb9413f75f_2_28:notes"/>
+          <p:cNvSpPr>
+            <a:spLocks noGrp="1" noRot="1" noChangeAspect="1"/>
+          </p:cNvSpPr>
+          <p:nvPr>
+            <p:ph type="sldImg" idx="2"/>
+          </p:nvPr>
+        </p:nvSpPr>
+        <p:spPr>
+          <a:xfrm>
+            <a:off x="717550" y="1162050"/>
+            <a:ext cx="5575300" cy="3136900"/>
+          </a:xfrm>
+          <a:custGeom>
+            <a:avLst/>
+            <a:gdLst/>
+            <a:ahLst/>
+            <a:cxnLst/>
+            <a:rect l="l" t="t" r="r" b="b"/>
+            <a:pathLst>
+              <a:path w="120000" h="120000" extrusionOk="0">
+                <a:moveTo>
+                  <a:pt x="0" y="0"/>
+                </a:moveTo>
+                <a:lnTo>
+                  <a:pt x="120000" y="0"/>
+                </a:lnTo>
+                <a:lnTo>
+                  <a:pt x="120000" y="120000"/>
+                </a:lnTo>
+                <a:lnTo>
+                  <a:pt x="0" y="120000"/>
+                </a:lnTo>
+                <a:close/>
+              </a:path>
+            </a:pathLst>
+          </a:custGeom>
+        </p:spPr>
+      </p:sp>
+    </p:spTree>
+    <p:extLst>
+      <p:ext uri="{BB962C8B-B14F-4D97-AF65-F5344CB8AC3E}">
+        <p14:creationId xmlns:p14="http://schemas.microsoft.com/office/powerpoint/2010/main" val="1740801506"/>
+      </p:ext>
+    </p:extLst>
+  </p:cSld>
+  <p:clrMapOvr>
+    <a:masterClrMapping/>
+  </p:clrMapOvr>
+</p:notes>
+</file>
+
+<file path=ppt/notesSlides/notesSlide7.xml><?xml version="1.0" encoding="utf-8"?>
+<p:notes xmlns:a="http://schemas.openxmlformats.org/drawingml/2006/main" xmlns:r="http://schemas.openxmlformats.org/officeDocument/2006/relationships" xmlns:p="http://schemas.openxmlformats.org/presentationml/2006/main" showMasterSp="0" showMasterPhAnim="0">
+  <p:cSld>
+    <p:spTree>
+      <p:nvGrpSpPr>
+        <p:cNvPr id="1" name="Shape 90"/>
+        <p:cNvGrpSpPr/>
+        <p:nvPr/>
+      </p:nvGrpSpPr>
+      <p:grpSpPr>
+        <a:xfrm>
+          <a:off x="0" y="0"/>
+          <a:ext cx="0" cy="0"/>
+          <a:chOff x="0" y="0"/>
+          <a:chExt cx="0" cy="0"/>
+        </a:xfrm>
+      </p:grpSpPr>
+      <p:sp>
+        <p:nvSpPr>
+          <p:cNvPr id="91" name="Google Shape;91;gfb9413f75f_2_28:notes"/>
+          <p:cNvSpPr txBox="1">
+            <a:spLocks noGrp="1"/>
+          </p:cNvSpPr>
+          <p:nvPr>
+            <p:ph type="body" idx="1"/>
+          </p:nvPr>
+        </p:nvSpPr>
+        <p:spPr>
+          <a:xfrm>
+            <a:off x="701675" y="4473575"/>
+            <a:ext cx="5607050" cy="3660775"/>
+          </a:xfrm>
+          <a:prstGeom prst="rect">
+            <a:avLst/>
+          </a:prstGeom>
+        </p:spPr>
+        <p:txBody>
+          <a:bodyPr spcFirstLastPara="1" wrap="square" lIns="91425" tIns="45700" rIns="91425" bIns="45700" anchor="t" anchorCtr="0">
+            <a:noAutofit/>
+          </a:bodyPr>
+          <a:lstStyle/>
+          <a:p>
+            <a:pPr marL="0" lvl="0" indent="0" algn="l" rtl="0">
+              <a:spcBef>
+                <a:spcPts val="0"/>
+              </a:spcBef>
+              <a:spcAft>
+                <a:spcPts val="0"/>
+              </a:spcAft>
+              <a:buNone/>
+            </a:pPr>
+            <a:endParaRPr/>
+          </a:p>
+        </p:txBody>
+      </p:sp>
+      <p:sp>
+        <p:nvSpPr>
+          <p:cNvPr id="92" name="Google Shape;92;gfb9413f75f_2_28:notes"/>
+          <p:cNvSpPr>
+            <a:spLocks noGrp="1" noRot="1" noChangeAspect="1"/>
+          </p:cNvSpPr>
+          <p:nvPr>
+            <p:ph type="sldImg" idx="2"/>
+          </p:nvPr>
+        </p:nvSpPr>
+        <p:spPr>
+          <a:xfrm>
+            <a:off x="717550" y="1162050"/>
+            <a:ext cx="5575300" cy="3136900"/>
+          </a:xfrm>
+          <a:custGeom>
+            <a:avLst/>
+            <a:gdLst/>
+            <a:ahLst/>
+            <a:cxnLst/>
+            <a:rect l="l" t="t" r="r" b="b"/>
+            <a:pathLst>
+              <a:path w="120000" h="120000" extrusionOk="0">
+                <a:moveTo>
+                  <a:pt x="0" y="0"/>
+                </a:moveTo>
+                <a:lnTo>
+                  <a:pt x="120000" y="0"/>
+                </a:lnTo>
+                <a:lnTo>
+                  <a:pt x="120000" y="120000"/>
+                </a:lnTo>
+                <a:lnTo>
+                  <a:pt x="0" y="120000"/>
+                </a:lnTo>
+                <a:close/>
+              </a:path>
+            </a:pathLst>
+          </a:custGeom>
+        </p:spPr>
+      </p:sp>
+    </p:spTree>
+    <p:extLst>
+      <p:ext uri="{BB962C8B-B14F-4D97-AF65-F5344CB8AC3E}">
+        <p14:creationId xmlns:p14="http://schemas.microsoft.com/office/powerpoint/2010/main" val="2815581132"/>
       </p:ext>
     </p:extLst>
   </p:cSld>
@@ -10564,7 +10784,7 @@
                 <a:cs typeface="Calibri"/>
                 <a:sym typeface="Calibri"/>
               </a:rPr>
-              <a:t>10 December, 2021</a:t>
+              <a:t>9 December, 2021</a:t>
             </a:r>
             <a:endParaRPr dirty="0">
               <a:solidFill>
@@ -11185,7 +11405,7 @@
         <p:spPr>
           <a:xfrm>
             <a:off x="7338184" y="1432121"/>
-            <a:ext cx="3491734" cy="4185721"/>
+            <a:ext cx="3491734" cy="3970277"/>
           </a:xfrm>
           <a:prstGeom prst="rect">
             <a:avLst/>
@@ -11267,7 +11487,7 @@
             </a:pPr>
             <a:r>
               <a:rPr lang="en-US" dirty="0"/>
-              <a:t>Beverly Phillips</a:t>
+              <a:t>Beverly Phillips (Scout)</a:t>
             </a:r>
           </a:p>
           <a:p>
@@ -11360,23 +11580,6 @@
               <a:rPr lang="en-US" dirty="0"/>
               <a:t>Randy Weaver</a:t>
             </a:r>
-          </a:p>
-          <a:p>
-            <a:pPr marL="342900" marR="0" lvl="0" indent="-342900" algn="l" rtl="0">
-              <a:spcBef>
-                <a:spcPts val="0"/>
-              </a:spcBef>
-              <a:spcAft>
-                <a:spcPts val="0"/>
-              </a:spcAft>
-              <a:buClr>
-                <a:srgbClr val="595959"/>
-              </a:buClr>
-              <a:buSzPts val="1800"/>
-              <a:buFont typeface="Arial"/>
-              <a:buChar char="•"/>
-            </a:pPr>
-            <a:endParaRPr dirty="0"/>
           </a:p>
         </p:txBody>
       </p:sp>
@@ -13970,7 +14173,7 @@
                 <a:cs typeface="Calibri"/>
                 <a:sym typeface="Calibri"/>
               </a:rPr>
-              <a:t>Team decided to load the data in an RDBMS instead for a document DB</a:t>
+              <a:t>Team decided to load the data in an RDBMS instead of a document DB</a:t>
             </a:r>
           </a:p>
           <a:p>
@@ -14556,7 +14759,7 @@
               <a:buSzPct val="100000"/>
             </a:pPr>
             <a:r>
-              <a:rPr lang="en-US" sz="2000" b="1" dirty="0">
+              <a:rPr lang="en-US" sz="1600" b="1" dirty="0">
                 <a:solidFill>
                   <a:schemeClr val="tx1">
                     <a:lumMod val="65000"/>
@@ -15030,7 +15233,7 @@
               <a:buSzPct val="100000"/>
             </a:pPr>
             <a:r>
-              <a:rPr lang="en-US" sz="2000" b="1" dirty="0">
+              <a:rPr lang="en-US" sz="1600" b="1" dirty="0">
                 <a:solidFill>
                   <a:schemeClr val="tx1">
                     <a:lumMod val="65000"/>
@@ -15045,7 +15248,7 @@
               <a:t>COUNTY_DEMOGRAPHICS</a:t>
             </a:r>
             <a:r>
-              <a:rPr lang="en-US" sz="2000" dirty="0">
+              <a:rPr lang="en-US" sz="1600" dirty="0">
                 <a:solidFill>
                   <a:schemeClr val="tx1">
                     <a:lumMod val="65000"/>
@@ -15787,6 +15990,468 @@
     <p:extLst>
       <p:ext uri="{BB962C8B-B14F-4D97-AF65-F5344CB8AC3E}">
         <p14:creationId xmlns:p14="http://schemas.microsoft.com/office/powerpoint/2010/main" val="665127423"/>
+      </p:ext>
+    </p:extLst>
+  </p:cSld>
+  <p:clrMapOvr>
+    <a:masterClrMapping/>
+  </p:clrMapOvr>
+</p:sld>
+</file>
+
+<file path=ppt/slides/slide6.xml><?xml version="1.0" encoding="utf-8"?>
+<p:sld xmlns:a="http://schemas.openxmlformats.org/drawingml/2006/main" xmlns:r="http://schemas.openxmlformats.org/officeDocument/2006/relationships" xmlns:p="http://schemas.openxmlformats.org/presentationml/2006/main">
+  <p:cSld>
+    <p:spTree>
+      <p:nvGrpSpPr>
+        <p:cNvPr id="1" name="Shape 93"/>
+        <p:cNvGrpSpPr/>
+        <p:nvPr/>
+      </p:nvGrpSpPr>
+      <p:grpSpPr>
+        <a:xfrm>
+          <a:off x="0" y="0"/>
+          <a:ext cx="0" cy="0"/>
+          <a:chOff x="0" y="0"/>
+          <a:chExt cx="0" cy="0"/>
+        </a:xfrm>
+      </p:grpSpPr>
+      <p:sp>
+        <p:nvSpPr>
+          <p:cNvPr id="94" name="Google Shape;94;gfb9413f75f_2_28"/>
+          <p:cNvSpPr txBox="1"/>
+          <p:nvPr/>
+        </p:nvSpPr>
+        <p:spPr>
+          <a:xfrm>
+            <a:off x="559837" y="72737"/>
+            <a:ext cx="11140931" cy="768927"/>
+          </a:xfrm>
+          <a:prstGeom prst="rect">
+            <a:avLst/>
+          </a:prstGeom>
+          <a:noFill/>
+          <a:ln>
+            <a:noFill/>
+          </a:ln>
+        </p:spPr>
+        <p:txBody>
+          <a:bodyPr spcFirstLastPara="1" wrap="square" lIns="91425" tIns="45700" rIns="91425" bIns="45700" anchor="ctr" anchorCtr="0">
+            <a:normAutofit/>
+          </a:bodyPr>
+          <a:lstStyle/>
+          <a:p>
+            <a:pPr marL="0" marR="0" lvl="0" indent="0" algn="l" rtl="0">
+              <a:lnSpc>
+                <a:spcPct val="90000"/>
+              </a:lnSpc>
+              <a:spcBef>
+                <a:spcPts val="0"/>
+              </a:spcBef>
+              <a:spcAft>
+                <a:spcPts val="0"/>
+              </a:spcAft>
+              <a:buClr>
+                <a:schemeClr val="dk1"/>
+              </a:buClr>
+              <a:buSzPts val="4000"/>
+              <a:buFont typeface="Calibri"/>
+              <a:buNone/>
+            </a:pPr>
+            <a:r>
+              <a:rPr lang="en-US" sz="4000" b="1" dirty="0">
+                <a:solidFill>
+                  <a:srgbClr val="0070C0"/>
+                </a:solidFill>
+                <a:latin typeface="Calibri"/>
+                <a:ea typeface="Calibri"/>
+                <a:cs typeface="Calibri"/>
+                <a:sym typeface="Calibri"/>
+              </a:rPr>
+              <a:t>Challenges</a:t>
+            </a:r>
+            <a:endParaRPr dirty="0">
+              <a:solidFill>
+                <a:srgbClr val="0070C0"/>
+              </a:solidFill>
+            </a:endParaRPr>
+          </a:p>
+        </p:txBody>
+      </p:sp>
+      <p:cxnSp>
+        <p:nvCxnSpPr>
+          <p:cNvPr id="95" name="Google Shape;95;gfb9413f75f_2_28"/>
+          <p:cNvCxnSpPr/>
+          <p:nvPr/>
+        </p:nvCxnSpPr>
+        <p:spPr>
+          <a:xfrm>
+            <a:off x="559837" y="773201"/>
+            <a:ext cx="11140931" cy="0"/>
+          </a:xfrm>
+          <a:prstGeom prst="straightConnector1">
+            <a:avLst/>
+          </a:prstGeom>
+          <a:noFill/>
+          <a:ln w="28575" cap="flat" cmpd="sng">
+            <a:solidFill>
+              <a:srgbClr val="0070C0"/>
+            </a:solidFill>
+            <a:prstDash val="solid"/>
+            <a:miter lim="800000"/>
+            <a:headEnd type="none" w="sm" len="sm"/>
+            <a:tailEnd type="none" w="sm" len="sm"/>
+          </a:ln>
+        </p:spPr>
+      </p:cxnSp>
+      <p:sp>
+        <p:nvSpPr>
+          <p:cNvPr id="6" name="Google Shape;113;gfb9413f75f_2_28">
+            <a:extLst>
+              <a:ext uri="{FF2B5EF4-FFF2-40B4-BE49-F238E27FC236}">
+                <a16:creationId xmlns:a16="http://schemas.microsoft.com/office/drawing/2014/main" id="{31050402-FBDC-0040-BEF8-E33706AEC486}"/>
+              </a:ext>
+            </a:extLst>
+          </p:cNvPr>
+          <p:cNvSpPr txBox="1"/>
+          <p:nvPr/>
+        </p:nvSpPr>
+        <p:spPr>
+          <a:xfrm>
+            <a:off x="389904" y="1000288"/>
+            <a:ext cx="5108073" cy="2246729"/>
+          </a:xfrm>
+          <a:prstGeom prst="rect">
+            <a:avLst/>
+          </a:prstGeom>
+          <a:noFill/>
+          <a:ln>
+            <a:noFill/>
+          </a:ln>
+        </p:spPr>
+        <p:txBody>
+          <a:bodyPr spcFirstLastPara="1" wrap="square" lIns="91425" tIns="45700" rIns="91425" bIns="45700" anchor="t" anchorCtr="0">
+            <a:spAutoFit/>
+          </a:bodyPr>
+          <a:lstStyle/>
+          <a:p>
+            <a:pPr marL="431800" lvl="0" indent="-342900">
+              <a:buClr>
+                <a:schemeClr val="tx1">
+                  <a:lumMod val="65000"/>
+                  <a:lumOff val="35000"/>
+                </a:schemeClr>
+              </a:buClr>
+              <a:buSzPts val="1400"/>
+              <a:buFont typeface="+mj-lt"/>
+              <a:buAutoNum type="arabicPeriod" startAt="3"/>
+            </a:pPr>
+            <a:r>
+              <a:rPr lang="en-US" dirty="0">
+                <a:solidFill>
+                  <a:srgbClr val="7F7F7F"/>
+                </a:solidFill>
+                <a:latin typeface="Calibri"/>
+                <a:ea typeface="Calibri"/>
+                <a:cs typeface="Calibri"/>
+                <a:sym typeface="Calibri"/>
+              </a:rPr>
+              <a:t>The eviction lab column headers needed to be standardized  </a:t>
+            </a:r>
+          </a:p>
+          <a:p>
+            <a:pPr marL="431800" lvl="0" indent="-342900">
+              <a:buClr>
+                <a:schemeClr val="tx1">
+                  <a:lumMod val="65000"/>
+                  <a:lumOff val="35000"/>
+                </a:schemeClr>
+              </a:buClr>
+              <a:buSzPts val="1400"/>
+              <a:buFont typeface="+mj-lt"/>
+              <a:buAutoNum type="arabicPeriod" startAt="3"/>
+            </a:pPr>
+            <a:endParaRPr lang="en-US" dirty="0">
+              <a:solidFill>
+                <a:srgbClr val="7F7F7F"/>
+              </a:solidFill>
+              <a:latin typeface="Calibri"/>
+              <a:ea typeface="Calibri"/>
+              <a:cs typeface="Calibri"/>
+              <a:sym typeface="Calibri"/>
+            </a:endParaRPr>
+          </a:p>
+          <a:p>
+            <a:pPr marL="431800" lvl="0" indent="-342900">
+              <a:buClr>
+                <a:schemeClr val="tx1">
+                  <a:lumMod val="65000"/>
+                  <a:lumOff val="35000"/>
+                </a:schemeClr>
+              </a:buClr>
+              <a:buSzPts val="1400"/>
+              <a:buFont typeface="+mj-lt"/>
+              <a:buAutoNum type="arabicPeriod" startAt="3"/>
+            </a:pPr>
+            <a:r>
+              <a:rPr lang="en-US" dirty="0">
+                <a:solidFill>
+                  <a:srgbClr val="7F7F7F"/>
+                </a:solidFill>
+                <a:latin typeface="Calibri"/>
+                <a:ea typeface="Calibri"/>
+                <a:cs typeface="Calibri"/>
+                <a:sym typeface="Calibri"/>
+              </a:rPr>
+              <a:t>Burroughs, Census tracts, </a:t>
+            </a:r>
+            <a:r>
+              <a:rPr lang="en-US" dirty="0" err="1">
+                <a:solidFill>
+                  <a:srgbClr val="7F7F7F"/>
+                </a:solidFill>
+                <a:latin typeface="Calibri"/>
+                <a:ea typeface="Calibri"/>
+                <a:cs typeface="Calibri"/>
+                <a:sym typeface="Calibri"/>
+              </a:rPr>
+              <a:t>etc</a:t>
+            </a:r>
+            <a:r>
+              <a:rPr lang="en-US" dirty="0">
+                <a:solidFill>
+                  <a:srgbClr val="7F7F7F"/>
+                </a:solidFill>
+                <a:latin typeface="Calibri"/>
+                <a:ea typeface="Calibri"/>
+                <a:cs typeface="Calibri"/>
+                <a:sym typeface="Calibri"/>
+              </a:rPr>
+              <a:t> were removed so that only counties remained</a:t>
+            </a:r>
+          </a:p>
+          <a:p>
+            <a:pPr marL="431800" lvl="0" indent="-342900">
+              <a:buClr>
+                <a:schemeClr val="tx1">
+                  <a:lumMod val="65000"/>
+                  <a:lumOff val="35000"/>
+                </a:schemeClr>
+              </a:buClr>
+              <a:buSzPts val="1400"/>
+              <a:buFont typeface="+mj-lt"/>
+              <a:buAutoNum type="arabicPeriod" startAt="3"/>
+            </a:pPr>
+            <a:endParaRPr lang="en-US" dirty="0">
+              <a:solidFill>
+                <a:srgbClr val="7F7F7F"/>
+              </a:solidFill>
+              <a:latin typeface="Calibri"/>
+              <a:ea typeface="Calibri"/>
+              <a:cs typeface="Calibri"/>
+              <a:sym typeface="Calibri"/>
+            </a:endParaRPr>
+          </a:p>
+          <a:p>
+            <a:pPr marL="431800" lvl="0" indent="-342900">
+              <a:buClr>
+                <a:schemeClr val="tx1">
+                  <a:lumMod val="65000"/>
+                  <a:lumOff val="35000"/>
+                </a:schemeClr>
+              </a:buClr>
+              <a:buSzPts val="1400"/>
+              <a:buFont typeface="+mj-lt"/>
+              <a:buAutoNum type="arabicPeriod" startAt="3"/>
+            </a:pPr>
+            <a:r>
+              <a:rPr lang="en-US" dirty="0">
+                <a:solidFill>
+                  <a:srgbClr val="7F7F7F"/>
+                </a:solidFill>
+                <a:latin typeface="Calibri"/>
+                <a:ea typeface="Calibri"/>
+                <a:cs typeface="Calibri"/>
+                <a:sym typeface="Calibri"/>
+              </a:rPr>
+              <a:t>The county names were formatted to match the master county table by removing “ County”</a:t>
+            </a:r>
+          </a:p>
+          <a:p>
+            <a:pPr marL="431800" lvl="0" indent="-342900">
+              <a:buClr>
+                <a:schemeClr val="tx1">
+                  <a:lumMod val="65000"/>
+                  <a:lumOff val="35000"/>
+                </a:schemeClr>
+              </a:buClr>
+              <a:buSzPts val="1400"/>
+              <a:buFont typeface="+mj-lt"/>
+              <a:buAutoNum type="arabicPeriod" startAt="3"/>
+            </a:pPr>
+            <a:endParaRPr lang="en-US" dirty="0">
+              <a:solidFill>
+                <a:srgbClr val="7F7F7F"/>
+              </a:solidFill>
+              <a:latin typeface="Calibri"/>
+              <a:ea typeface="Calibri"/>
+              <a:cs typeface="Calibri"/>
+              <a:sym typeface="Calibri"/>
+            </a:endParaRPr>
+          </a:p>
+          <a:p>
+            <a:pPr marL="431800" lvl="0" indent="-342900">
+              <a:buClr>
+                <a:schemeClr val="tx1">
+                  <a:lumMod val="65000"/>
+                  <a:lumOff val="35000"/>
+                </a:schemeClr>
+              </a:buClr>
+              <a:buSzPts val="1400"/>
+              <a:buFont typeface="+mj-lt"/>
+              <a:buAutoNum type="arabicPeriod" startAt="3"/>
+            </a:pPr>
+            <a:r>
+              <a:rPr lang="en-US" dirty="0">
+                <a:solidFill>
+                  <a:srgbClr val="7F7F7F"/>
+                </a:solidFill>
+                <a:latin typeface="Calibri"/>
+                <a:ea typeface="Calibri"/>
+                <a:cs typeface="Calibri"/>
+                <a:sym typeface="Calibri"/>
+              </a:rPr>
+              <a:t>Shannon County, South Dakota changed to Oglala Lakota County, South Dakota in 2015.</a:t>
+            </a:r>
+          </a:p>
+        </p:txBody>
+      </p:sp>
+      <p:pic>
+        <p:nvPicPr>
+          <p:cNvPr id="10" name="Picture 9">
+            <a:extLst>
+              <a:ext uri="{FF2B5EF4-FFF2-40B4-BE49-F238E27FC236}">
+                <a16:creationId xmlns:a16="http://schemas.microsoft.com/office/drawing/2014/main" id="{D9C178FE-7237-B14D-9FE6-995DABE9A28C}"/>
+              </a:ext>
+            </a:extLst>
+          </p:cNvPr>
+          <p:cNvPicPr>
+            <a:picLocks noChangeAspect="1"/>
+          </p:cNvPicPr>
+          <p:nvPr/>
+        </p:nvPicPr>
+        <p:blipFill>
+          <a:blip r:embed="rId3"/>
+          <a:stretch>
+            <a:fillRect/>
+          </a:stretch>
+        </p:blipFill>
+        <p:spPr>
+          <a:xfrm>
+            <a:off x="5739613" y="1000288"/>
+            <a:ext cx="5823187" cy="4688412"/>
+          </a:xfrm>
+          <a:prstGeom prst="rect">
+            <a:avLst/>
+          </a:prstGeom>
+        </p:spPr>
+      </p:pic>
+    </p:spTree>
+    <p:extLst>
+      <p:ext uri="{BB962C8B-B14F-4D97-AF65-F5344CB8AC3E}">
+        <p14:creationId xmlns:p14="http://schemas.microsoft.com/office/powerpoint/2010/main" val="3836199444"/>
+      </p:ext>
+    </p:extLst>
+  </p:cSld>
+  <p:clrMapOvr>
+    <a:masterClrMapping/>
+  </p:clrMapOvr>
+</p:sld>
+</file>
+
+<file path=ppt/slides/slide7.xml><?xml version="1.0" encoding="utf-8"?>
+<p:sld xmlns:a="http://schemas.openxmlformats.org/drawingml/2006/main" xmlns:r="http://schemas.openxmlformats.org/officeDocument/2006/relationships" xmlns:p="http://schemas.openxmlformats.org/presentationml/2006/main">
+  <p:cSld>
+    <p:spTree>
+      <p:nvGrpSpPr>
+        <p:cNvPr id="1" name="Shape 93"/>
+        <p:cNvGrpSpPr/>
+        <p:nvPr/>
+      </p:nvGrpSpPr>
+      <p:grpSpPr>
+        <a:xfrm>
+          <a:off x="0" y="0"/>
+          <a:ext cx="0" cy="0"/>
+          <a:chOff x="0" y="0"/>
+          <a:chExt cx="0" cy="0"/>
+        </a:xfrm>
+      </p:grpSpPr>
+      <p:sp>
+        <p:nvSpPr>
+          <p:cNvPr id="94" name="Google Shape;94;gfb9413f75f_2_28"/>
+          <p:cNvSpPr txBox="1"/>
+          <p:nvPr/>
+        </p:nvSpPr>
+        <p:spPr>
+          <a:xfrm>
+            <a:off x="454640" y="2660073"/>
+            <a:ext cx="11140931" cy="768927"/>
+          </a:xfrm>
+          <a:prstGeom prst="rect">
+            <a:avLst/>
+          </a:prstGeom>
+          <a:noFill/>
+          <a:ln>
+            <a:noFill/>
+          </a:ln>
+        </p:spPr>
+        <p:txBody>
+          <a:bodyPr spcFirstLastPara="1" wrap="square" lIns="91425" tIns="45700" rIns="91425" bIns="45700" anchor="ctr" anchorCtr="0">
+            <a:normAutofit/>
+          </a:bodyPr>
+          <a:lstStyle/>
+          <a:p>
+            <a:pPr marL="0" marR="0" lvl="0" indent="0" algn="ctr" rtl="0">
+              <a:lnSpc>
+                <a:spcPct val="90000"/>
+              </a:lnSpc>
+              <a:spcBef>
+                <a:spcPts val="0"/>
+              </a:spcBef>
+              <a:spcAft>
+                <a:spcPts val="0"/>
+              </a:spcAft>
+              <a:buClr>
+                <a:schemeClr val="dk1"/>
+              </a:buClr>
+              <a:buSzPts val="4000"/>
+              <a:buFont typeface="Calibri"/>
+              <a:buNone/>
+            </a:pPr>
+            <a:r>
+              <a:rPr lang="en-US" sz="4000" b="1" dirty="0">
+                <a:solidFill>
+                  <a:srgbClr val="0070C0"/>
+                </a:solidFill>
+                <a:latin typeface="Calibri"/>
+                <a:ea typeface="Calibri"/>
+                <a:cs typeface="Calibri"/>
+                <a:sym typeface="Calibri"/>
+              </a:rPr>
+              <a:t>QUESTIONS?</a:t>
+            </a:r>
+            <a:endParaRPr dirty="0">
+              <a:solidFill>
+                <a:srgbClr val="0070C0"/>
+              </a:solidFill>
+            </a:endParaRPr>
+          </a:p>
+        </p:txBody>
+      </p:sp>
+    </p:spTree>
+    <p:extLst>
+      <p:ext uri="{BB962C8B-B14F-4D97-AF65-F5344CB8AC3E}">
+        <p14:creationId xmlns:p14="http://schemas.microsoft.com/office/powerpoint/2010/main" val="1486006956"/>
       </p:ext>
     </p:extLst>
   </p:cSld>

--- a/ETL_Group2.pptx
+++ b/ETL_Group2.pptx
@@ -6,16 +6,17 @@
     <p:sldMasterId id="2147483653" r:id="rId2"/>
   </p:sldMasterIdLst>
   <p:notesMasterIdLst>
-    <p:notesMasterId r:id="rId10"/>
+    <p:notesMasterId r:id="rId11"/>
   </p:notesMasterIdLst>
   <p:sldIdLst>
     <p:sldId id="256" r:id="rId3"/>
     <p:sldId id="257" r:id="rId4"/>
     <p:sldId id="258" r:id="rId5"/>
     <p:sldId id="259" r:id="rId6"/>
-    <p:sldId id="260" r:id="rId7"/>
-    <p:sldId id="261" r:id="rId8"/>
-    <p:sldId id="262" r:id="rId9"/>
+    <p:sldId id="263" r:id="rId7"/>
+    <p:sldId id="260" r:id="rId8"/>
+    <p:sldId id="261" r:id="rId9"/>
+    <p:sldId id="262" r:id="rId10"/>
   </p:sldIdLst>
   <p:sldSz cx="12192000" cy="6858000"/>
   <p:notesSz cx="7010400" cy="9296400"/>
@@ -2043,6 +2044,115 @@
     </p:spTree>
     <p:extLst>
       <p:ext uri="{BB962C8B-B14F-4D97-AF65-F5344CB8AC3E}">
+        <p14:creationId xmlns:p14="http://schemas.microsoft.com/office/powerpoint/2010/main" val="3266819192"/>
+      </p:ext>
+    </p:extLst>
+  </p:cSld>
+  <p:clrMapOvr>
+    <a:masterClrMapping/>
+  </p:clrMapOvr>
+</p:notes>
+</file>
+
+<file path=ppt/notesSlides/notesSlide6.xml><?xml version="1.0" encoding="utf-8"?>
+<p:notes xmlns:a="http://schemas.openxmlformats.org/drawingml/2006/main" xmlns:r="http://schemas.openxmlformats.org/officeDocument/2006/relationships" xmlns:p="http://schemas.openxmlformats.org/presentationml/2006/main" showMasterSp="0" showMasterPhAnim="0">
+  <p:cSld>
+    <p:spTree>
+      <p:nvGrpSpPr>
+        <p:cNvPr id="1" name="Shape 90"/>
+        <p:cNvGrpSpPr/>
+        <p:nvPr/>
+      </p:nvGrpSpPr>
+      <p:grpSpPr>
+        <a:xfrm>
+          <a:off x="0" y="0"/>
+          <a:ext cx="0" cy="0"/>
+          <a:chOff x="0" y="0"/>
+          <a:chExt cx="0" cy="0"/>
+        </a:xfrm>
+      </p:grpSpPr>
+      <p:sp>
+        <p:nvSpPr>
+          <p:cNvPr id="91" name="Google Shape;91;gfb9413f75f_2_28:notes"/>
+          <p:cNvSpPr txBox="1">
+            <a:spLocks noGrp="1"/>
+          </p:cNvSpPr>
+          <p:nvPr>
+            <p:ph type="body" idx="1"/>
+          </p:nvPr>
+        </p:nvSpPr>
+        <p:spPr>
+          <a:xfrm>
+            <a:off x="701675" y="4473575"/>
+            <a:ext cx="5607050" cy="3660775"/>
+          </a:xfrm>
+          <a:prstGeom prst="rect">
+            <a:avLst/>
+          </a:prstGeom>
+        </p:spPr>
+        <p:txBody>
+          <a:bodyPr spcFirstLastPara="1" wrap="square" lIns="91425" tIns="45700" rIns="91425" bIns="45700" anchor="t" anchorCtr="0">
+            <a:noAutofit/>
+          </a:bodyPr>
+          <a:lstStyle/>
+          <a:p>
+            <a:pPr marL="0" lvl="0" indent="0" algn="l" rtl="0">
+              <a:spcBef>
+                <a:spcPts val="0"/>
+              </a:spcBef>
+              <a:spcAft>
+                <a:spcPts val="0"/>
+              </a:spcAft>
+              <a:buNone/>
+            </a:pPr>
+            <a:endParaRPr/>
+          </a:p>
+        </p:txBody>
+      </p:sp>
+      <p:sp>
+        <p:nvSpPr>
+          <p:cNvPr id="92" name="Google Shape;92;gfb9413f75f_2_28:notes"/>
+          <p:cNvSpPr>
+            <a:spLocks noGrp="1" noRot="1" noChangeAspect="1"/>
+          </p:cNvSpPr>
+          <p:nvPr>
+            <p:ph type="sldImg" idx="2"/>
+          </p:nvPr>
+        </p:nvSpPr>
+        <p:spPr>
+          <a:xfrm>
+            <a:off x="717550" y="1162050"/>
+            <a:ext cx="5575300" cy="3136900"/>
+          </a:xfrm>
+          <a:custGeom>
+            <a:avLst/>
+            <a:gdLst/>
+            <a:ahLst/>
+            <a:cxnLst/>
+            <a:rect l="l" t="t" r="r" b="b"/>
+            <a:pathLst>
+              <a:path w="120000" h="120000" extrusionOk="0">
+                <a:moveTo>
+                  <a:pt x="0" y="0"/>
+                </a:moveTo>
+                <a:lnTo>
+                  <a:pt x="120000" y="0"/>
+                </a:lnTo>
+                <a:lnTo>
+                  <a:pt x="120000" y="120000"/>
+                </a:lnTo>
+                <a:lnTo>
+                  <a:pt x="0" y="120000"/>
+                </a:lnTo>
+                <a:close/>
+              </a:path>
+            </a:pathLst>
+          </a:custGeom>
+        </p:spPr>
+      </p:sp>
+    </p:spTree>
+    <p:extLst>
+      <p:ext uri="{BB962C8B-B14F-4D97-AF65-F5344CB8AC3E}">
         <p14:creationId xmlns:p14="http://schemas.microsoft.com/office/powerpoint/2010/main" val="989657554"/>
       </p:ext>
     </p:extLst>
@@ -2053,7 +2163,7 @@
 </p:notes>
 </file>
 
-<file path=ppt/notesSlides/notesSlide6.xml><?xml version="1.0" encoding="utf-8"?>
+<file path=ppt/notesSlides/notesSlide7.xml><?xml version="1.0" encoding="utf-8"?>
 <p:notes xmlns:a="http://schemas.openxmlformats.org/drawingml/2006/main" xmlns:r="http://schemas.openxmlformats.org/officeDocument/2006/relationships" xmlns:p="http://schemas.openxmlformats.org/presentationml/2006/main" showMasterSp="0" showMasterPhAnim="0">
   <p:cSld>
     <p:spTree>
@@ -2162,7 +2272,7 @@
 </p:notes>
 </file>
 
-<file path=ppt/notesSlides/notesSlide7.xml><?xml version="1.0" encoding="utf-8"?>
+<file path=ppt/notesSlides/notesSlide8.xml><?xml version="1.0" encoding="utf-8"?>
 <p:notes xmlns:a="http://schemas.openxmlformats.org/drawingml/2006/main" xmlns:r="http://schemas.openxmlformats.org/officeDocument/2006/relationships" xmlns:p="http://schemas.openxmlformats.org/presentationml/2006/main" showMasterSp="0" showMasterPhAnim="0">
   <p:cSld>
     <p:spTree>
@@ -15596,7 +15706,289 @@
                 <a:cs typeface="Calibri"/>
                 <a:sym typeface="Calibri"/>
               </a:rPr>
-              <a:t>Challenges</a:t>
+              <a:t>Challenges  (State-County Master)</a:t>
+            </a:r>
+            <a:endParaRPr dirty="0">
+              <a:solidFill>
+                <a:srgbClr val="0070C0"/>
+              </a:solidFill>
+            </a:endParaRPr>
+          </a:p>
+        </p:txBody>
+      </p:sp>
+      <p:cxnSp>
+        <p:nvCxnSpPr>
+          <p:cNvPr id="95" name="Google Shape;95;gfb9413f75f_2_28"/>
+          <p:cNvCxnSpPr/>
+          <p:nvPr/>
+        </p:nvCxnSpPr>
+        <p:spPr>
+          <a:xfrm>
+            <a:off x="559837" y="773201"/>
+            <a:ext cx="11140931" cy="0"/>
+          </a:xfrm>
+          <a:prstGeom prst="straightConnector1">
+            <a:avLst/>
+          </a:prstGeom>
+          <a:noFill/>
+          <a:ln w="28575" cap="flat" cmpd="sng">
+            <a:solidFill>
+              <a:srgbClr val="0070C0"/>
+            </a:solidFill>
+            <a:prstDash val="solid"/>
+            <a:miter lim="800000"/>
+            <a:headEnd type="none" w="sm" len="sm"/>
+            <a:tailEnd type="none" w="sm" len="sm"/>
+          </a:ln>
+        </p:spPr>
+      </p:cxnSp>
+      <p:sp>
+        <p:nvSpPr>
+          <p:cNvPr id="6" name="Google Shape;113;gfb9413f75f_2_28">
+            <a:extLst>
+              <a:ext uri="{FF2B5EF4-FFF2-40B4-BE49-F238E27FC236}">
+                <a16:creationId xmlns:a16="http://schemas.microsoft.com/office/drawing/2014/main" id="{31050402-FBDC-0040-BEF8-E33706AEC486}"/>
+              </a:ext>
+            </a:extLst>
+          </p:cNvPr>
+          <p:cNvSpPr txBox="1"/>
+          <p:nvPr/>
+        </p:nvSpPr>
+        <p:spPr>
+          <a:xfrm>
+            <a:off x="406088" y="1121669"/>
+            <a:ext cx="6326485" cy="954067"/>
+          </a:xfrm>
+          <a:prstGeom prst="rect">
+            <a:avLst/>
+          </a:prstGeom>
+          <a:noFill/>
+          <a:ln>
+            <a:noFill/>
+          </a:ln>
+        </p:spPr>
+        <p:txBody>
+          <a:bodyPr spcFirstLastPara="1" wrap="square" lIns="91425" tIns="45700" rIns="91425" bIns="45700" anchor="t" anchorCtr="0">
+            <a:spAutoFit/>
+          </a:bodyPr>
+          <a:lstStyle/>
+          <a:p>
+            <a:pPr marL="431800" lvl="0" indent="-342900">
+              <a:buClr>
+                <a:schemeClr val="tx1">
+                  <a:lumMod val="65000"/>
+                  <a:lumOff val="35000"/>
+                </a:schemeClr>
+              </a:buClr>
+              <a:buSzPts val="1400"/>
+              <a:buFont typeface="+mj-lt"/>
+              <a:buAutoNum type="arabicPeriod"/>
+            </a:pPr>
+            <a:r>
+              <a:rPr lang="en-US" dirty="0">
+                <a:solidFill>
+                  <a:srgbClr val="7F7F7F"/>
+                </a:solidFill>
+                <a:latin typeface="Calibri"/>
+                <a:ea typeface="Calibri"/>
+                <a:cs typeface="Calibri"/>
+                <a:sym typeface="Calibri"/>
+              </a:rPr>
+              <a:t>With the state and county dataset , the original csv file could not be used due to receiving an error</a:t>
+            </a:r>
+          </a:p>
+          <a:p>
+            <a:pPr marL="431800" lvl="0" indent="-342900">
+              <a:buClr>
+                <a:schemeClr val="tx1">
+                  <a:lumMod val="65000"/>
+                  <a:lumOff val="35000"/>
+                </a:schemeClr>
+              </a:buClr>
+              <a:buSzPts val="1400"/>
+              <a:buFont typeface="+mj-lt"/>
+              <a:buAutoNum type="arabicPeriod"/>
+            </a:pPr>
+            <a:endParaRPr lang="en-US" dirty="0">
+              <a:solidFill>
+                <a:srgbClr val="7F7F7F"/>
+              </a:solidFill>
+              <a:latin typeface="Calibri"/>
+              <a:ea typeface="Calibri"/>
+              <a:cs typeface="Calibri"/>
+              <a:sym typeface="Calibri"/>
+            </a:endParaRPr>
+          </a:p>
+          <a:p>
+            <a:pPr marL="431800" lvl="0" indent="-342900">
+              <a:buClr>
+                <a:schemeClr val="tx1">
+                  <a:lumMod val="65000"/>
+                  <a:lumOff val="35000"/>
+                </a:schemeClr>
+              </a:buClr>
+              <a:buSzPts val="1400"/>
+              <a:buFont typeface="+mj-lt"/>
+              <a:buAutoNum type="arabicPeriod"/>
+            </a:pPr>
+            <a:r>
+              <a:rPr lang="en-US" dirty="0">
+                <a:solidFill>
+                  <a:srgbClr val="7F7F7F"/>
+                </a:solidFill>
+                <a:latin typeface="Calibri"/>
+                <a:ea typeface="Calibri"/>
+                <a:cs typeface="Calibri"/>
+                <a:sym typeface="Calibri"/>
+              </a:rPr>
+              <a:t>There were also duplicates in the original csv file which had to be dropped</a:t>
+            </a:r>
+          </a:p>
+        </p:txBody>
+      </p:sp>
+      <p:pic>
+        <p:nvPicPr>
+          <p:cNvPr id="2" name="Picture 1">
+            <a:extLst>
+              <a:ext uri="{FF2B5EF4-FFF2-40B4-BE49-F238E27FC236}">
+                <a16:creationId xmlns:a16="http://schemas.microsoft.com/office/drawing/2014/main" id="{00145126-C661-A54F-A0B5-55AC620ECB56}"/>
+              </a:ext>
+            </a:extLst>
+          </p:cNvPr>
+          <p:cNvPicPr>
+            <a:picLocks noChangeAspect="1"/>
+          </p:cNvPicPr>
+          <p:nvPr/>
+        </p:nvPicPr>
+        <p:blipFill>
+          <a:blip r:embed="rId3"/>
+          <a:stretch>
+            <a:fillRect/>
+          </a:stretch>
+        </p:blipFill>
+        <p:spPr>
+          <a:xfrm>
+            <a:off x="559837" y="4403862"/>
+            <a:ext cx="8267718" cy="1422403"/>
+          </a:xfrm>
+          <a:prstGeom prst="rect">
+            <a:avLst/>
+          </a:prstGeom>
+        </p:spPr>
+      </p:pic>
+      <p:pic>
+        <p:nvPicPr>
+          <p:cNvPr id="3" name="Picture 2">
+            <a:extLst>
+              <a:ext uri="{FF2B5EF4-FFF2-40B4-BE49-F238E27FC236}">
+                <a16:creationId xmlns:a16="http://schemas.microsoft.com/office/drawing/2014/main" id="{939EE7FD-4F1A-0245-B6C9-91DA4B52A6E7}"/>
+              </a:ext>
+            </a:extLst>
+          </p:cNvPr>
+          <p:cNvPicPr>
+            <a:picLocks noChangeAspect="1"/>
+          </p:cNvPicPr>
+          <p:nvPr/>
+        </p:nvPicPr>
+        <p:blipFill>
+          <a:blip r:embed="rId4"/>
+          <a:stretch>
+            <a:fillRect/>
+          </a:stretch>
+        </p:blipFill>
+        <p:spPr>
+          <a:xfrm>
+            <a:off x="559837" y="2477202"/>
+            <a:ext cx="8259279" cy="1551346"/>
+          </a:xfrm>
+          <a:prstGeom prst="rect">
+            <a:avLst/>
+          </a:prstGeom>
+        </p:spPr>
+      </p:pic>
+    </p:spTree>
+    <p:extLst>
+      <p:ext uri="{BB962C8B-B14F-4D97-AF65-F5344CB8AC3E}">
+        <p14:creationId xmlns:p14="http://schemas.microsoft.com/office/powerpoint/2010/main" val="206213142"/>
+      </p:ext>
+    </p:extLst>
+  </p:cSld>
+  <p:clrMapOvr>
+    <a:masterClrMapping/>
+  </p:clrMapOvr>
+</p:sld>
+</file>
+
+<file path=ppt/slides/slide6.xml><?xml version="1.0" encoding="utf-8"?>
+<p:sld xmlns:a="http://schemas.openxmlformats.org/drawingml/2006/main" xmlns:r="http://schemas.openxmlformats.org/officeDocument/2006/relationships" xmlns:p="http://schemas.openxmlformats.org/presentationml/2006/main">
+  <p:cSld>
+    <p:spTree>
+      <p:nvGrpSpPr>
+        <p:cNvPr id="1" name="Shape 93"/>
+        <p:cNvGrpSpPr/>
+        <p:nvPr/>
+      </p:nvGrpSpPr>
+      <p:grpSpPr>
+        <a:xfrm>
+          <a:off x="0" y="0"/>
+          <a:ext cx="0" cy="0"/>
+          <a:chOff x="0" y="0"/>
+          <a:chExt cx="0" cy="0"/>
+        </a:xfrm>
+      </p:grpSpPr>
+      <p:sp>
+        <p:nvSpPr>
+          <p:cNvPr id="94" name="Google Shape;94;gfb9413f75f_2_28"/>
+          <p:cNvSpPr txBox="1"/>
+          <p:nvPr/>
+        </p:nvSpPr>
+        <p:spPr>
+          <a:xfrm>
+            <a:off x="559837" y="72737"/>
+            <a:ext cx="11140931" cy="768927"/>
+          </a:xfrm>
+          <a:prstGeom prst="rect">
+            <a:avLst/>
+          </a:prstGeom>
+          <a:noFill/>
+          <a:ln>
+            <a:noFill/>
+          </a:ln>
+        </p:spPr>
+        <p:txBody>
+          <a:bodyPr spcFirstLastPara="1" wrap="square" lIns="91425" tIns="45700" rIns="91425" bIns="45700" anchor="ctr" anchorCtr="0">
+            <a:normAutofit/>
+          </a:bodyPr>
+          <a:lstStyle/>
+          <a:p>
+            <a:pPr marL="0" marR="0" lvl="0" indent="0" algn="l" rtl="0">
+              <a:lnSpc>
+                <a:spcPct val="90000"/>
+              </a:lnSpc>
+              <a:spcBef>
+                <a:spcPts val="0"/>
+              </a:spcBef>
+              <a:spcAft>
+                <a:spcPts val="0"/>
+              </a:spcAft>
+              <a:buClr>
+                <a:schemeClr val="dk1"/>
+              </a:buClr>
+              <a:buSzPts val="4000"/>
+              <a:buFont typeface="Calibri"/>
+              <a:buNone/>
+            </a:pPr>
+            <a:r>
+              <a:rPr lang="en-US" sz="4000" b="1" dirty="0">
+                <a:solidFill>
+                  <a:srgbClr val="0070C0"/>
+                </a:solidFill>
+                <a:latin typeface="Calibri"/>
+                <a:ea typeface="Calibri"/>
+                <a:cs typeface="Calibri"/>
+                <a:sym typeface="Calibri"/>
+              </a:rPr>
+              <a:t>Challenges (Zillow)</a:t>
             </a:r>
             <a:endParaRPr dirty="0">
               <a:solidFill>
@@ -15681,7 +16073,7 @@
               </a:buClr>
               <a:buSzPts val="1400"/>
               <a:buFont typeface="+mj-lt"/>
-              <a:buAutoNum type="arabicPeriod"/>
+              <a:buAutoNum type="arabicPeriod" startAt="3"/>
             </a:pPr>
             <a:r>
               <a:rPr lang="en-US" dirty="0">
@@ -15796,7 +16188,7 @@
               </a:buClr>
               <a:buSzPts val="1400"/>
               <a:buFont typeface="+mj-lt"/>
-              <a:buAutoNum type="arabicPeriod" startAt="2"/>
+              <a:buAutoNum type="arabicPeriod" startAt="4"/>
             </a:pPr>
             <a:r>
               <a:rPr lang="en-US" dirty="0">
@@ -15999,7 +16391,7 @@
 </p:sld>
 </file>
 
-<file path=ppt/slides/slide6.xml><?xml version="1.0" encoding="utf-8"?>
+<file path=ppt/slides/slide7.xml><?xml version="1.0" encoding="utf-8"?>
 <p:sld xmlns:a="http://schemas.openxmlformats.org/drawingml/2006/main" xmlns:r="http://schemas.openxmlformats.org/officeDocument/2006/relationships" xmlns:p="http://schemas.openxmlformats.org/presentationml/2006/main">
   <p:cSld>
     <p:spTree>
@@ -16068,7 +16460,7 @@
                 <a:cs typeface="Calibri"/>
                 <a:sym typeface="Calibri"/>
               </a:rPr>
-              <a:t>Challenges</a:t>
+              <a:t>Challenges (Eviction)</a:t>
             </a:r>
             <a:endParaRPr dirty="0">
               <a:solidFill>
@@ -16144,7 +16536,7 @@
               </a:buClr>
               <a:buSzPts val="1400"/>
               <a:buFont typeface="+mj-lt"/>
-              <a:buAutoNum type="arabicPeriod" startAt="3"/>
+              <a:buAutoNum type="arabicPeriod" startAt="5"/>
             </a:pPr>
             <a:r>
               <a:rPr lang="en-US" dirty="0">
@@ -16169,7 +16561,7 @@
               </a:buClr>
               <a:buSzPts val="1400"/>
               <a:buFont typeface="+mj-lt"/>
-              <a:buAutoNum type="arabicPeriod" startAt="3"/>
+              <a:buAutoNum type="arabicPeriod" startAt="5"/>
             </a:pPr>
             <a:endParaRPr lang="en-US" dirty="0">
               <a:solidFill>
@@ -16191,7 +16583,7 @@
               </a:buClr>
               <a:buSzPts val="1400"/>
               <a:buFont typeface="+mj-lt"/>
-              <a:buAutoNum type="arabicPeriod" startAt="3"/>
+              <a:buAutoNum type="arabicPeriod" startAt="5"/>
             </a:pPr>
             <a:r>
               <a:rPr lang="en-US" dirty="0">
@@ -16240,7 +16632,7 @@
               </a:buClr>
               <a:buSzPts val="1400"/>
               <a:buFont typeface="+mj-lt"/>
-              <a:buAutoNum type="arabicPeriod" startAt="3"/>
+              <a:buAutoNum type="arabicPeriod" startAt="5"/>
             </a:pPr>
             <a:endParaRPr lang="en-US" dirty="0">
               <a:solidFill>
@@ -16262,7 +16654,7 @@
               </a:buClr>
               <a:buSzPts val="1400"/>
               <a:buFont typeface="+mj-lt"/>
-              <a:buAutoNum type="arabicPeriod" startAt="3"/>
+              <a:buAutoNum type="arabicPeriod" startAt="5"/>
             </a:pPr>
             <a:r>
               <a:rPr lang="en-US" dirty="0">
@@ -16287,7 +16679,7 @@
               </a:buClr>
               <a:buSzPts val="1400"/>
               <a:buFont typeface="+mj-lt"/>
-              <a:buAutoNum type="arabicPeriod" startAt="3"/>
+              <a:buAutoNum type="arabicPeriod" startAt="5"/>
             </a:pPr>
             <a:endParaRPr lang="en-US" dirty="0">
               <a:solidFill>
@@ -16309,7 +16701,7 @@
               </a:buClr>
               <a:buSzPts val="1400"/>
               <a:buFont typeface="+mj-lt"/>
-              <a:buAutoNum type="arabicPeriod" startAt="3"/>
+              <a:buAutoNum type="arabicPeriod" startAt="5"/>
             </a:pPr>
             <a:r>
               <a:rPr lang="en-US" dirty="0">
@@ -16369,7 +16761,7 @@
 </p:sld>
 </file>
 
-<file path=ppt/slides/slide7.xml><?xml version="1.0" encoding="utf-8"?>
+<file path=ppt/slides/slide8.xml><?xml version="1.0" encoding="utf-8"?>
 <p:sld xmlns:a="http://schemas.openxmlformats.org/drawingml/2006/main" xmlns:r="http://schemas.openxmlformats.org/officeDocument/2006/relationships" xmlns:p="http://schemas.openxmlformats.org/presentationml/2006/main">
   <p:cSld>
     <p:spTree>
